--- a/OpenSurf.pptx
+++ b/OpenSurf.pptx
@@ -18,19 +18,22 @@
     <p:sldId id="263" r:id="rId13"/>
     <p:sldId id="264" r:id="rId14"/>
     <p:sldId id="265" r:id="rId15"/>
+    <p:sldId id="266" r:id="rId16"/>
+    <p:sldId id="267" r:id="rId17"/>
+    <p:sldId id="268" r:id="rId18"/>
   </p:sldIdLst>
   <p:sldSz cy="5143500" cx="9144000"/>
   <p:notesSz cx="6858000" cy="9144000"/>
   <p:embeddedFontLst>
     <p:embeddedFont>
       <p:font typeface="Comfortaa Medium"/>
-      <p:regular r:id="rId16"/>
-      <p:bold r:id="rId17"/>
+      <p:regular r:id="rId19"/>
+      <p:bold r:id="rId20"/>
     </p:embeddedFont>
     <p:embeddedFont>
       <p:font typeface="Comfortaa"/>
-      <p:regular r:id="rId18"/>
-      <p:bold r:id="rId19"/>
+      <p:regular r:id="rId21"/>
+      <p:bold r:id="rId22"/>
     </p:embeddedFont>
   </p:embeddedFontLst>
   <p:defaultTextStyle>
@@ -811,7 +814,7 @@
   <p:cSld>
     <p:spTree>
       <p:nvGrpSpPr>
-        <p:cNvPr id="108" name="Shape 108"/>
+        <p:cNvPr id="113" name="Shape 113"/>
         <p:cNvGrpSpPr/>
         <p:nvPr/>
       </p:nvGrpSpPr>
@@ -825,7 +828,7 @@
       </p:grpSpPr>
       <p:sp>
         <p:nvSpPr>
-          <p:cNvPr id="109" name="Google Shape;109;g31a970f7345_0_1:notes"/>
+          <p:cNvPr id="114" name="Google Shape;114;g31a7e58bb3c_0_26:notes"/>
           <p:cNvSpPr/>
           <p:nvPr>
             <p:ph idx="2" type="sldImg"/>
@@ -860,7 +863,304 @@
       </p:sp>
       <p:sp>
         <p:nvSpPr>
-          <p:cNvPr id="110" name="Google Shape;110;g31a970f7345_0_1:notes"/>
+          <p:cNvPr id="115" name="Google Shape;115;g31a7e58bb3c_0_26:notes"/>
+          <p:cNvSpPr txBox="1"/>
+          <p:nvPr>
+            <p:ph idx="1" type="body"/>
+          </p:nvPr>
+        </p:nvSpPr>
+        <p:spPr>
+          <a:xfrm>
+            <a:off x="685800" y="4343400"/>
+            <a:ext cx="5486400" cy="4114800"/>
+          </a:xfrm>
+          <a:prstGeom prst="rect">
+            <a:avLst/>
+          </a:prstGeom>
+        </p:spPr>
+        <p:txBody>
+          <a:bodyPr anchorCtr="0" anchor="t" bIns="91425" lIns="91425" spcFirstLastPara="1" rIns="91425" wrap="square" tIns="91425">
+            <a:noAutofit/>
+          </a:bodyPr>
+          <a:lstStyle/>
+          <a:p>
+            <a:pPr indent="0" lvl="0" marL="0" rtl="0" algn="l">
+              <a:spcBef>
+                <a:spcPts val="0"/>
+              </a:spcBef>
+              <a:spcAft>
+                <a:spcPts val="0"/>
+              </a:spcAft>
+              <a:buNone/>
+            </a:pPr>
+            <a:r>
+              <a:t/>
+            </a:r>
+            <a:endParaRPr/>
+          </a:p>
+        </p:txBody>
+      </p:sp>
+    </p:spTree>
+  </p:cSld>
+  <p:clrMapOvr>
+    <a:masterClrMapping/>
+  </p:clrMapOvr>
+</p:notes>
+</file>
+
+<file path=ppt/notesSlides/notesSlide11.xml><?xml version="1.0" encoding="utf-8"?>
+<p:notes xmlns:a="http://schemas.openxmlformats.org/drawingml/2006/main" xmlns:r="http://schemas.openxmlformats.org/officeDocument/2006/relationships" xmlns:mc="http://schemas.openxmlformats.org/markup-compatibility/2006" xmlns:mv="urn:schemas-microsoft-com:mac:vml" xmlns:p="http://schemas.openxmlformats.org/presentationml/2006/main" xmlns:c="http://schemas.openxmlformats.org/drawingml/2006/chart" xmlns:dgm="http://schemas.openxmlformats.org/drawingml/2006/diagram" xmlns:o="urn:schemas-microsoft-com:office:office" xmlns:v="urn:schemas-microsoft-com:vml" xmlns:pvml="urn:schemas-microsoft-com:office:powerpoint" xmlns:com="http://schemas.openxmlformats.org/drawingml/2006/compatibility" xmlns:p14="http://schemas.microsoft.com/office/powerpoint/2010/main" xmlns:p15="http://schemas.microsoft.com/office/powerpoint/2012/main" xmlns:ahyp="http://schemas.microsoft.com/office/drawing/2018/hyperlinkcolor" showMasterPhAnim="0" showMasterSp="0">
+  <p:cSld>
+    <p:spTree>
+      <p:nvGrpSpPr>
+        <p:cNvPr id="119" name="Shape 119"/>
+        <p:cNvGrpSpPr/>
+        <p:nvPr/>
+      </p:nvGrpSpPr>
+      <p:grpSpPr>
+        <a:xfrm>
+          <a:off x="0" y="0"/>
+          <a:ext cx="0" cy="0"/>
+          <a:chOff x="0" y="0"/>
+          <a:chExt cx="0" cy="0"/>
+        </a:xfrm>
+      </p:grpSpPr>
+      <p:sp>
+        <p:nvSpPr>
+          <p:cNvPr id="120" name="Google Shape;120;g31a7e58bb3c_0_31:notes"/>
+          <p:cNvSpPr/>
+          <p:nvPr>
+            <p:ph idx="2" type="sldImg"/>
+          </p:nvPr>
+        </p:nvSpPr>
+        <p:spPr>
+          <a:xfrm>
+            <a:off x="381300" y="685800"/>
+            <a:ext cx="6096000" cy="3429000"/>
+          </a:xfrm>
+          <a:custGeom>
+            <a:rect b="b" l="l" r="r" t="t"/>
+            <a:pathLst>
+              <a:path extrusionOk="0" h="120000" w="120000">
+                <a:moveTo>
+                  <a:pt x="0" y="0"/>
+                </a:moveTo>
+                <a:lnTo>
+                  <a:pt x="120000" y="0"/>
+                </a:lnTo>
+                <a:lnTo>
+                  <a:pt x="120000" y="120000"/>
+                </a:lnTo>
+                <a:lnTo>
+                  <a:pt x="0" y="120000"/>
+                </a:lnTo>
+                <a:close/>
+              </a:path>
+            </a:pathLst>
+          </a:custGeom>
+        </p:spPr>
+      </p:sp>
+      <p:sp>
+        <p:nvSpPr>
+          <p:cNvPr id="121" name="Google Shape;121;g31a7e58bb3c_0_31:notes"/>
+          <p:cNvSpPr txBox="1"/>
+          <p:nvPr>
+            <p:ph idx="1" type="body"/>
+          </p:nvPr>
+        </p:nvSpPr>
+        <p:spPr>
+          <a:xfrm>
+            <a:off x="685800" y="4343400"/>
+            <a:ext cx="5486400" cy="4114800"/>
+          </a:xfrm>
+          <a:prstGeom prst="rect">
+            <a:avLst/>
+          </a:prstGeom>
+        </p:spPr>
+        <p:txBody>
+          <a:bodyPr anchorCtr="0" anchor="t" bIns="91425" lIns="91425" spcFirstLastPara="1" rIns="91425" wrap="square" tIns="91425">
+            <a:noAutofit/>
+          </a:bodyPr>
+          <a:lstStyle/>
+          <a:p>
+            <a:pPr indent="0" lvl="0" marL="0" rtl="0" algn="l">
+              <a:spcBef>
+                <a:spcPts val="0"/>
+              </a:spcBef>
+              <a:spcAft>
+                <a:spcPts val="0"/>
+              </a:spcAft>
+              <a:buNone/>
+            </a:pPr>
+            <a:r>
+              <a:t/>
+            </a:r>
+            <a:endParaRPr/>
+          </a:p>
+        </p:txBody>
+      </p:sp>
+    </p:spTree>
+  </p:cSld>
+  <p:clrMapOvr>
+    <a:masterClrMapping/>
+  </p:clrMapOvr>
+</p:notes>
+</file>
+
+<file path=ppt/notesSlides/notesSlide12.xml><?xml version="1.0" encoding="utf-8"?>
+<p:notes xmlns:a="http://schemas.openxmlformats.org/drawingml/2006/main" xmlns:r="http://schemas.openxmlformats.org/officeDocument/2006/relationships" xmlns:mc="http://schemas.openxmlformats.org/markup-compatibility/2006" xmlns:mv="urn:schemas-microsoft-com:mac:vml" xmlns:p="http://schemas.openxmlformats.org/presentationml/2006/main" xmlns:c="http://schemas.openxmlformats.org/drawingml/2006/chart" xmlns:dgm="http://schemas.openxmlformats.org/drawingml/2006/diagram" xmlns:o="urn:schemas-microsoft-com:office:office" xmlns:v="urn:schemas-microsoft-com:vml" xmlns:pvml="urn:schemas-microsoft-com:office:powerpoint" xmlns:com="http://schemas.openxmlformats.org/drawingml/2006/compatibility" xmlns:p14="http://schemas.microsoft.com/office/powerpoint/2010/main" xmlns:p15="http://schemas.microsoft.com/office/powerpoint/2012/main" xmlns:ahyp="http://schemas.microsoft.com/office/drawing/2018/hyperlinkcolor" showMasterPhAnim="0" showMasterSp="0">
+  <p:cSld>
+    <p:spTree>
+      <p:nvGrpSpPr>
+        <p:cNvPr id="125" name="Shape 125"/>
+        <p:cNvGrpSpPr/>
+        <p:nvPr/>
+      </p:nvGrpSpPr>
+      <p:grpSpPr>
+        <a:xfrm>
+          <a:off x="0" y="0"/>
+          <a:ext cx="0" cy="0"/>
+          <a:chOff x="0" y="0"/>
+          <a:chExt cx="0" cy="0"/>
+        </a:xfrm>
+      </p:grpSpPr>
+      <p:sp>
+        <p:nvSpPr>
+          <p:cNvPr id="126" name="Google Shape;126;g31a7e58bb3c_0_36:notes"/>
+          <p:cNvSpPr/>
+          <p:nvPr>
+            <p:ph idx="2" type="sldImg"/>
+          </p:nvPr>
+        </p:nvSpPr>
+        <p:spPr>
+          <a:xfrm>
+            <a:off x="381300" y="685800"/>
+            <a:ext cx="6096000" cy="3429000"/>
+          </a:xfrm>
+          <a:custGeom>
+            <a:rect b="b" l="l" r="r" t="t"/>
+            <a:pathLst>
+              <a:path extrusionOk="0" h="120000" w="120000">
+                <a:moveTo>
+                  <a:pt x="0" y="0"/>
+                </a:moveTo>
+                <a:lnTo>
+                  <a:pt x="120000" y="0"/>
+                </a:lnTo>
+                <a:lnTo>
+                  <a:pt x="120000" y="120000"/>
+                </a:lnTo>
+                <a:lnTo>
+                  <a:pt x="0" y="120000"/>
+                </a:lnTo>
+                <a:close/>
+              </a:path>
+            </a:pathLst>
+          </a:custGeom>
+        </p:spPr>
+      </p:sp>
+      <p:sp>
+        <p:nvSpPr>
+          <p:cNvPr id="127" name="Google Shape;127;g31a7e58bb3c_0_36:notes"/>
+          <p:cNvSpPr txBox="1"/>
+          <p:nvPr>
+            <p:ph idx="1" type="body"/>
+          </p:nvPr>
+        </p:nvSpPr>
+        <p:spPr>
+          <a:xfrm>
+            <a:off x="685800" y="4343400"/>
+            <a:ext cx="5486400" cy="4114800"/>
+          </a:xfrm>
+          <a:prstGeom prst="rect">
+            <a:avLst/>
+          </a:prstGeom>
+        </p:spPr>
+        <p:txBody>
+          <a:bodyPr anchorCtr="0" anchor="t" bIns="91425" lIns="91425" spcFirstLastPara="1" rIns="91425" wrap="square" tIns="91425">
+            <a:noAutofit/>
+          </a:bodyPr>
+          <a:lstStyle/>
+          <a:p>
+            <a:pPr indent="0" lvl="0" marL="0" rtl="0" algn="l">
+              <a:spcBef>
+                <a:spcPts val="0"/>
+              </a:spcBef>
+              <a:spcAft>
+                <a:spcPts val="0"/>
+              </a:spcAft>
+              <a:buNone/>
+            </a:pPr>
+            <a:r>
+              <a:t/>
+            </a:r>
+            <a:endParaRPr/>
+          </a:p>
+        </p:txBody>
+      </p:sp>
+    </p:spTree>
+  </p:cSld>
+  <p:clrMapOvr>
+    <a:masterClrMapping/>
+  </p:clrMapOvr>
+</p:notes>
+</file>
+
+<file path=ppt/notesSlides/notesSlide13.xml><?xml version="1.0" encoding="utf-8"?>
+<p:notes xmlns:a="http://schemas.openxmlformats.org/drawingml/2006/main" xmlns:r="http://schemas.openxmlformats.org/officeDocument/2006/relationships" xmlns:mc="http://schemas.openxmlformats.org/markup-compatibility/2006" xmlns:mv="urn:schemas-microsoft-com:mac:vml" xmlns:p="http://schemas.openxmlformats.org/presentationml/2006/main" xmlns:c="http://schemas.openxmlformats.org/drawingml/2006/chart" xmlns:dgm="http://schemas.openxmlformats.org/drawingml/2006/diagram" xmlns:o="urn:schemas-microsoft-com:office:office" xmlns:v="urn:schemas-microsoft-com:vml" xmlns:pvml="urn:schemas-microsoft-com:office:powerpoint" xmlns:com="http://schemas.openxmlformats.org/drawingml/2006/compatibility" xmlns:p14="http://schemas.microsoft.com/office/powerpoint/2010/main" xmlns:p15="http://schemas.microsoft.com/office/powerpoint/2012/main" xmlns:ahyp="http://schemas.microsoft.com/office/drawing/2018/hyperlinkcolor" showMasterPhAnim="0" showMasterSp="0">
+  <p:cSld>
+    <p:spTree>
+      <p:nvGrpSpPr>
+        <p:cNvPr id="131" name="Shape 131"/>
+        <p:cNvGrpSpPr/>
+        <p:nvPr/>
+      </p:nvGrpSpPr>
+      <p:grpSpPr>
+        <a:xfrm>
+          <a:off x="0" y="0"/>
+          <a:ext cx="0" cy="0"/>
+          <a:chOff x="0" y="0"/>
+          <a:chExt cx="0" cy="0"/>
+        </a:xfrm>
+      </p:grpSpPr>
+      <p:sp>
+        <p:nvSpPr>
+          <p:cNvPr id="132" name="Google Shape;132;g31a970f7345_0_1:notes"/>
+          <p:cNvSpPr/>
+          <p:nvPr>
+            <p:ph idx="2" type="sldImg"/>
+          </p:nvPr>
+        </p:nvSpPr>
+        <p:spPr>
+          <a:xfrm>
+            <a:off x="381300" y="685800"/>
+            <a:ext cx="6096000" cy="3429000"/>
+          </a:xfrm>
+          <a:custGeom>
+            <a:rect b="b" l="l" r="r" t="t"/>
+            <a:pathLst>
+              <a:path extrusionOk="0" h="120000" w="120000">
+                <a:moveTo>
+                  <a:pt x="0" y="0"/>
+                </a:moveTo>
+                <a:lnTo>
+                  <a:pt x="120000" y="0"/>
+                </a:lnTo>
+                <a:lnTo>
+                  <a:pt x="120000" y="120000"/>
+                </a:lnTo>
+                <a:lnTo>
+                  <a:pt x="0" y="120000"/>
+                </a:lnTo>
+                <a:close/>
+              </a:path>
+            </a:pathLst>
+          </a:custGeom>
+        </p:spPr>
+      </p:sp>
+      <p:sp>
+        <p:nvSpPr>
+          <p:cNvPr id="133" name="Google Shape;133;g31a970f7345_0_1:notes"/>
           <p:cNvSpPr txBox="1"/>
           <p:nvPr>
             <p:ph idx="1" type="body"/>
@@ -1122,7 +1422,7 @@
       </p:grpSpPr>
       <p:sp>
         <p:nvSpPr>
-          <p:cNvPr id="72" name="Google Shape;72;g31a7e58bb3c_0_16:notes"/>
+          <p:cNvPr id="72" name="Google Shape;72;g31a8128670f_0_0:notes"/>
           <p:cNvSpPr/>
           <p:nvPr>
             <p:ph idx="2" type="sldImg"/>
@@ -1157,7 +1457,7 @@
       </p:sp>
       <p:sp>
         <p:nvSpPr>
-          <p:cNvPr id="73" name="Google Shape;73;g31a7e58bb3c_0_16:notes"/>
+          <p:cNvPr id="73" name="Google Shape;73;g31a8128670f_0_0:notes"/>
           <p:cNvSpPr txBox="1"/>
           <p:nvPr>
             <p:ph idx="1" type="body"/>
@@ -1207,7 +1507,7 @@
   <p:cSld>
     <p:spTree>
       <p:nvGrpSpPr>
-        <p:cNvPr id="77" name="Shape 77"/>
+        <p:cNvPr id="78" name="Shape 78"/>
         <p:cNvGrpSpPr/>
         <p:nvPr/>
       </p:nvGrpSpPr>
@@ -1221,7 +1521,7 @@
       </p:grpSpPr>
       <p:sp>
         <p:nvSpPr>
-          <p:cNvPr id="78" name="Google Shape;78;g31a8128670f_0_0:notes"/>
+          <p:cNvPr id="79" name="Google Shape;79;g31a9d8dabb6_1_10:notes"/>
           <p:cNvSpPr/>
           <p:nvPr>
             <p:ph idx="2" type="sldImg"/>
@@ -1256,7 +1556,7 @@
       </p:sp>
       <p:sp>
         <p:nvSpPr>
-          <p:cNvPr id="79" name="Google Shape;79;g31a8128670f_0_0:notes"/>
+          <p:cNvPr id="80" name="Google Shape;80;g31a9d8dabb6_1_10:notes"/>
           <p:cNvSpPr txBox="1"/>
           <p:nvPr>
             <p:ph idx="1" type="body"/>
@@ -1320,7 +1620,7 @@
       </p:grpSpPr>
       <p:sp>
         <p:nvSpPr>
-          <p:cNvPr id="85" name="Google Shape;85;g31a7e58bb3c_0_21:notes"/>
+          <p:cNvPr id="85" name="Google Shape;85;g31a9d8dabb6_1_15:notes"/>
           <p:cNvSpPr/>
           <p:nvPr>
             <p:ph idx="2" type="sldImg"/>
@@ -1355,7 +1655,7 @@
       </p:sp>
       <p:sp>
         <p:nvSpPr>
-          <p:cNvPr id="86" name="Google Shape;86;g31a7e58bb3c_0_21:notes"/>
+          <p:cNvPr id="86" name="Google Shape;86;g31a9d8dabb6_1_15:notes"/>
           <p:cNvSpPr txBox="1"/>
           <p:nvPr>
             <p:ph idx="1" type="body"/>
@@ -1419,7 +1719,7 @@
       </p:grpSpPr>
       <p:sp>
         <p:nvSpPr>
-          <p:cNvPr id="91" name="Google Shape;91;g31a7e58bb3c_0_26:notes"/>
+          <p:cNvPr id="91" name="Google Shape;91;g31a9d8dabb6_1_20:notes"/>
           <p:cNvSpPr/>
           <p:nvPr>
             <p:ph idx="2" type="sldImg"/>
@@ -1454,7 +1754,7 @@
       </p:sp>
       <p:sp>
         <p:nvSpPr>
-          <p:cNvPr id="92" name="Google Shape;92;g31a7e58bb3c_0_26:notes"/>
+          <p:cNvPr id="92" name="Google Shape;92;g31a9d8dabb6_1_20:notes"/>
           <p:cNvSpPr txBox="1"/>
           <p:nvPr>
             <p:ph idx="1" type="body"/>
@@ -1504,7 +1804,7 @@
   <p:cSld>
     <p:spTree>
       <p:nvGrpSpPr>
-        <p:cNvPr id="96" name="Shape 96"/>
+        <p:cNvPr id="101" name="Shape 101"/>
         <p:cNvGrpSpPr/>
         <p:nvPr/>
       </p:nvGrpSpPr>
@@ -1518,7 +1818,7 @@
       </p:grpSpPr>
       <p:sp>
         <p:nvSpPr>
-          <p:cNvPr id="97" name="Google Shape;97;g31a7e58bb3c_0_31:notes"/>
+          <p:cNvPr id="102" name="Google Shape;102;g31a7e58bb3c_0_16:notes"/>
           <p:cNvSpPr/>
           <p:nvPr>
             <p:ph idx="2" type="sldImg"/>
@@ -1553,7 +1853,7 @@
       </p:sp>
       <p:sp>
         <p:nvSpPr>
-          <p:cNvPr id="98" name="Google Shape;98;g31a7e58bb3c_0_31:notes"/>
+          <p:cNvPr id="103" name="Google Shape;103;g31a7e58bb3c_0_16:notes"/>
           <p:cNvSpPr txBox="1"/>
           <p:nvPr>
             <p:ph idx="1" type="body"/>
@@ -1603,7 +1903,7 @@
   <p:cSld>
     <p:spTree>
       <p:nvGrpSpPr>
-        <p:cNvPr id="102" name="Shape 102"/>
+        <p:cNvPr id="107" name="Shape 107"/>
         <p:cNvGrpSpPr/>
         <p:nvPr/>
       </p:nvGrpSpPr>
@@ -1617,7 +1917,7 @@
       </p:grpSpPr>
       <p:sp>
         <p:nvSpPr>
-          <p:cNvPr id="103" name="Google Shape;103;g31a7e58bb3c_0_36:notes"/>
+          <p:cNvPr id="108" name="Google Shape;108;g31a7e58bb3c_0_21:notes"/>
           <p:cNvSpPr/>
           <p:nvPr>
             <p:ph idx="2" type="sldImg"/>
@@ -1652,7 +1952,7 @@
       </p:sp>
       <p:sp>
         <p:nvSpPr>
-          <p:cNvPr id="104" name="Google Shape;104;g31a7e58bb3c_0_36:notes"/>
+          <p:cNvPr id="109" name="Google Shape;109;g31a7e58bb3c_0_21:notes"/>
           <p:cNvSpPr txBox="1"/>
           <p:nvPr>
             <p:ph idx="1" type="body"/>
@@ -7002,7 +7302,7 @@
   <p:cSld>
     <p:spTree>
       <p:nvGrpSpPr>
-        <p:cNvPr id="111" name="Shape 111"/>
+        <p:cNvPr id="116" name="Shape 116"/>
         <p:cNvGrpSpPr/>
         <p:nvPr/>
       </p:nvGrpSpPr>
@@ -7016,7 +7316,7 @@
       </p:grpSpPr>
       <p:sp>
         <p:nvSpPr>
-          <p:cNvPr id="112" name="Google Shape;112;p22"/>
+          <p:cNvPr id="117" name="Google Shape;117;p22"/>
           <p:cNvSpPr txBox="1"/>
           <p:nvPr>
             <p:ph type="title"/>
@@ -7048,7 +7348,7 @@
             </a:pPr>
             <a:r>
               <a:rPr lang="en"/>
-              <a:t>Appendices</a:t>
+              <a:t>Discussion</a:t>
             </a:r>
             <a:endParaRPr/>
           </a:p>
@@ -7056,7 +7356,832 @@
       </p:sp>
       <p:sp>
         <p:nvSpPr>
-          <p:cNvPr id="113" name="Google Shape;113;p22"/>
+          <p:cNvPr id="118" name="Google Shape;118;p22"/>
+          <p:cNvSpPr txBox="1"/>
+          <p:nvPr>
+            <p:ph idx="1" type="body"/>
+          </p:nvPr>
+        </p:nvSpPr>
+        <p:spPr>
+          <a:xfrm>
+            <a:off x="311700" y="1152475"/>
+            <a:ext cx="8520600" cy="3416400"/>
+          </a:xfrm>
+          <a:prstGeom prst="rect">
+            <a:avLst/>
+          </a:prstGeom>
+          <a:solidFill>
+            <a:srgbClr val="FFFFFF">
+              <a:alpha val="43040"/>
+            </a:srgbClr>
+          </a:solidFill>
+        </p:spPr>
+        <p:txBody>
+          <a:bodyPr anchorCtr="0" anchor="t" bIns="91425" lIns="91425" spcFirstLastPara="1" rIns="91425" wrap="square" tIns="91425">
+            <a:normAutofit/>
+          </a:bodyPr>
+          <a:lstStyle/>
+          <a:p>
+            <a:pPr indent="0" lvl="0" marL="0" rtl="0" algn="l">
+              <a:spcBef>
+                <a:spcPts val="0"/>
+              </a:spcBef>
+              <a:spcAft>
+                <a:spcPts val="0"/>
+              </a:spcAft>
+              <a:buNone/>
+            </a:pPr>
+            <a:r>
+              <a:rPr lang="en">
+                <a:solidFill>
+                  <a:schemeClr val="dk1"/>
+                </a:solidFill>
+              </a:rPr>
+              <a:t>Interpretation: </a:t>
+            </a:r>
+            <a:endParaRPr>
+              <a:solidFill>
+                <a:schemeClr val="dk1"/>
+              </a:solidFill>
+            </a:endParaRPr>
+          </a:p>
+          <a:p>
+            <a:pPr indent="0" lvl="0" marL="0" rtl="0" algn="l">
+              <a:spcBef>
+                <a:spcPts val="1200"/>
+              </a:spcBef>
+              <a:spcAft>
+                <a:spcPts val="0"/>
+              </a:spcAft>
+              <a:buNone/>
+            </a:pPr>
+            <a:r>
+              <a:t/>
+            </a:r>
+            <a:endParaRPr>
+              <a:solidFill>
+                <a:schemeClr val="dk1"/>
+              </a:solidFill>
+            </a:endParaRPr>
+          </a:p>
+          <a:p>
+            <a:pPr indent="0" lvl="0" marL="0" rtl="0" algn="l">
+              <a:spcBef>
+                <a:spcPts val="1200"/>
+              </a:spcBef>
+              <a:spcAft>
+                <a:spcPts val="0"/>
+              </a:spcAft>
+              <a:buNone/>
+            </a:pPr>
+            <a:r>
+              <a:rPr lang="en">
+                <a:solidFill>
+                  <a:schemeClr val="dk1"/>
+                </a:solidFill>
+              </a:rPr>
+              <a:t>Challenges: </a:t>
+            </a:r>
+            <a:endParaRPr>
+              <a:solidFill>
+                <a:schemeClr val="dk1"/>
+              </a:solidFill>
+            </a:endParaRPr>
+          </a:p>
+          <a:p>
+            <a:pPr indent="0" lvl="0" marL="0" rtl="0" algn="l">
+              <a:spcBef>
+                <a:spcPts val="1200"/>
+              </a:spcBef>
+              <a:spcAft>
+                <a:spcPts val="0"/>
+              </a:spcAft>
+              <a:buNone/>
+            </a:pPr>
+            <a:r>
+              <a:t/>
+            </a:r>
+            <a:endParaRPr>
+              <a:solidFill>
+                <a:schemeClr val="dk1"/>
+              </a:solidFill>
+            </a:endParaRPr>
+          </a:p>
+          <a:p>
+            <a:pPr indent="0" lvl="0" marL="0" rtl="0" algn="l">
+              <a:spcBef>
+                <a:spcPts val="1200"/>
+              </a:spcBef>
+              <a:spcAft>
+                <a:spcPts val="1200"/>
+              </a:spcAft>
+              <a:buNone/>
+            </a:pPr>
+            <a:r>
+              <a:t/>
+            </a:r>
+            <a:endParaRPr>
+              <a:solidFill>
+                <a:schemeClr val="dk1"/>
+              </a:solidFill>
+            </a:endParaRPr>
+          </a:p>
+        </p:txBody>
+      </p:sp>
+    </p:spTree>
+  </p:cSld>
+  <p:clrMapOvr>
+    <a:masterClrMapping/>
+  </p:clrMapOvr>
+</p:sld>
+</file>
+
+<file path=ppt/slides/slide11.xml><?xml version="1.0" encoding="utf-8"?>
+<p:sld xmlns:a="http://schemas.openxmlformats.org/drawingml/2006/main" xmlns:r="http://schemas.openxmlformats.org/officeDocument/2006/relationships" xmlns:mc="http://schemas.openxmlformats.org/markup-compatibility/2006" xmlns:mv="urn:schemas-microsoft-com:mac:vml" xmlns:p="http://schemas.openxmlformats.org/presentationml/2006/main" xmlns:c="http://schemas.openxmlformats.org/drawingml/2006/chart" xmlns:dgm="http://schemas.openxmlformats.org/drawingml/2006/diagram" xmlns:o="urn:schemas-microsoft-com:office:office" xmlns:v="urn:schemas-microsoft-com:vml" xmlns:pvml="urn:schemas-microsoft-com:office:powerpoint" xmlns:com="http://schemas.openxmlformats.org/drawingml/2006/compatibility" xmlns:p14="http://schemas.microsoft.com/office/powerpoint/2010/main" xmlns:p15="http://schemas.microsoft.com/office/powerpoint/2012/main" xmlns:ahyp="http://schemas.microsoft.com/office/drawing/2018/hyperlinkcolor">
+  <p:cSld>
+    <p:spTree>
+      <p:nvGrpSpPr>
+        <p:cNvPr id="122" name="Shape 122"/>
+        <p:cNvGrpSpPr/>
+        <p:nvPr/>
+      </p:nvGrpSpPr>
+      <p:grpSpPr>
+        <a:xfrm>
+          <a:off x="0" y="0"/>
+          <a:ext cx="0" cy="0"/>
+          <a:chOff x="0" y="0"/>
+          <a:chExt cx="0" cy="0"/>
+        </a:xfrm>
+      </p:grpSpPr>
+      <p:sp>
+        <p:nvSpPr>
+          <p:cNvPr id="123" name="Google Shape;123;p23"/>
+          <p:cNvSpPr txBox="1"/>
+          <p:nvPr>
+            <p:ph type="title"/>
+          </p:nvPr>
+        </p:nvSpPr>
+        <p:spPr>
+          <a:xfrm>
+            <a:off x="311700" y="445025"/>
+            <a:ext cx="8520600" cy="572700"/>
+          </a:xfrm>
+          <a:prstGeom prst="rect">
+            <a:avLst/>
+          </a:prstGeom>
+        </p:spPr>
+        <p:txBody>
+          <a:bodyPr anchorCtr="0" anchor="t" bIns="91425" lIns="91425" spcFirstLastPara="1" rIns="91425" wrap="square" tIns="91425">
+            <a:normAutofit fontScale="90000"/>
+          </a:bodyPr>
+          <a:lstStyle/>
+          <a:p>
+            <a:pPr indent="0" lvl="0" marL="0" rtl="0" algn="l">
+              <a:spcBef>
+                <a:spcPts val="0"/>
+              </a:spcBef>
+              <a:spcAft>
+                <a:spcPts val="0"/>
+              </a:spcAft>
+              <a:buNone/>
+            </a:pPr>
+            <a:r>
+              <a:rPr lang="en"/>
+              <a:t>Conclusion</a:t>
+            </a:r>
+            <a:endParaRPr/>
+          </a:p>
+        </p:txBody>
+      </p:sp>
+      <p:sp>
+        <p:nvSpPr>
+          <p:cNvPr id="124" name="Google Shape;124;p23"/>
+          <p:cNvSpPr txBox="1"/>
+          <p:nvPr>
+            <p:ph idx="1" type="body"/>
+          </p:nvPr>
+        </p:nvSpPr>
+        <p:spPr>
+          <a:xfrm>
+            <a:off x="311700" y="1152475"/>
+            <a:ext cx="8520600" cy="3416400"/>
+          </a:xfrm>
+          <a:prstGeom prst="rect">
+            <a:avLst/>
+          </a:prstGeom>
+          <a:solidFill>
+            <a:srgbClr val="FFFFFF">
+              <a:alpha val="43040"/>
+            </a:srgbClr>
+          </a:solidFill>
+        </p:spPr>
+        <p:txBody>
+          <a:bodyPr anchorCtr="0" anchor="t" bIns="91425" lIns="91425" spcFirstLastPara="1" rIns="91425" wrap="square" tIns="91425">
+            <a:normAutofit/>
+          </a:bodyPr>
+          <a:lstStyle/>
+          <a:p>
+            <a:pPr indent="0" lvl="0" marL="0" rtl="0" algn="l">
+              <a:spcBef>
+                <a:spcPts val="0"/>
+              </a:spcBef>
+              <a:spcAft>
+                <a:spcPts val="0"/>
+              </a:spcAft>
+              <a:buNone/>
+            </a:pPr>
+            <a:r>
+              <a:rPr lang="en">
+                <a:solidFill>
+                  <a:schemeClr val="dk1"/>
+                </a:solidFill>
+              </a:rPr>
+              <a:t> Summary and Reflection: </a:t>
+            </a:r>
+            <a:endParaRPr>
+              <a:solidFill>
+                <a:schemeClr val="dk1"/>
+              </a:solidFill>
+            </a:endParaRPr>
+          </a:p>
+          <a:p>
+            <a:pPr indent="0" lvl="0" marL="0" rtl="0" algn="l">
+              <a:spcBef>
+                <a:spcPts val="1200"/>
+              </a:spcBef>
+              <a:spcAft>
+                <a:spcPts val="0"/>
+              </a:spcAft>
+              <a:buNone/>
+            </a:pPr>
+            <a:r>
+              <a:t/>
+            </a:r>
+            <a:endParaRPr>
+              <a:solidFill>
+                <a:schemeClr val="dk1"/>
+              </a:solidFill>
+            </a:endParaRPr>
+          </a:p>
+          <a:p>
+            <a:pPr indent="0" lvl="0" marL="0" rtl="0" algn="l">
+              <a:spcBef>
+                <a:spcPts val="1200"/>
+              </a:spcBef>
+              <a:spcAft>
+                <a:spcPts val="1200"/>
+              </a:spcAft>
+              <a:buNone/>
+            </a:pPr>
+            <a:r>
+              <a:rPr lang="en">
+                <a:solidFill>
+                  <a:schemeClr val="dk1"/>
+                </a:solidFill>
+              </a:rPr>
+              <a:t>This project could support tourism-related businesses. By integrating safety-related data pertaining to wave height or rip current forecasts, this system could contribute to reduce risks for swimmers and surfers. This model could also be applied to activities beyond surfing. This data could lead to other environmental prediction algorithms, like flood or wildfire analysis. </a:t>
+            </a:r>
+            <a:endParaRPr>
+              <a:solidFill>
+                <a:schemeClr val="dk1"/>
+              </a:solidFill>
+            </a:endParaRPr>
+          </a:p>
+        </p:txBody>
+      </p:sp>
+    </p:spTree>
+  </p:cSld>
+  <p:clrMapOvr>
+    <a:masterClrMapping/>
+  </p:clrMapOvr>
+</p:sld>
+</file>
+
+<file path=ppt/slides/slide12.xml><?xml version="1.0" encoding="utf-8"?>
+<p:sld xmlns:a="http://schemas.openxmlformats.org/drawingml/2006/main" xmlns:r="http://schemas.openxmlformats.org/officeDocument/2006/relationships" xmlns:mc="http://schemas.openxmlformats.org/markup-compatibility/2006" xmlns:mv="urn:schemas-microsoft-com:mac:vml" xmlns:p="http://schemas.openxmlformats.org/presentationml/2006/main" xmlns:c="http://schemas.openxmlformats.org/drawingml/2006/chart" xmlns:dgm="http://schemas.openxmlformats.org/drawingml/2006/diagram" xmlns:o="urn:schemas-microsoft-com:office:office" xmlns:v="urn:schemas-microsoft-com:vml" xmlns:pvml="urn:schemas-microsoft-com:office:powerpoint" xmlns:com="http://schemas.openxmlformats.org/drawingml/2006/compatibility" xmlns:p14="http://schemas.microsoft.com/office/powerpoint/2010/main" xmlns:p15="http://schemas.microsoft.com/office/powerpoint/2012/main" xmlns:ahyp="http://schemas.microsoft.com/office/drawing/2018/hyperlinkcolor">
+  <p:cSld>
+    <p:spTree>
+      <p:nvGrpSpPr>
+        <p:cNvPr id="128" name="Shape 128"/>
+        <p:cNvGrpSpPr/>
+        <p:nvPr/>
+      </p:nvGrpSpPr>
+      <p:grpSpPr>
+        <a:xfrm>
+          <a:off x="0" y="0"/>
+          <a:ext cx="0" cy="0"/>
+          <a:chOff x="0" y="0"/>
+          <a:chExt cx="0" cy="0"/>
+        </a:xfrm>
+      </p:grpSpPr>
+      <p:sp>
+        <p:nvSpPr>
+          <p:cNvPr id="129" name="Google Shape;129;p24"/>
+          <p:cNvSpPr txBox="1"/>
+          <p:nvPr>
+            <p:ph type="title"/>
+          </p:nvPr>
+        </p:nvSpPr>
+        <p:spPr>
+          <a:xfrm>
+            <a:off x="311700" y="445025"/>
+            <a:ext cx="8520600" cy="572700"/>
+          </a:xfrm>
+          <a:prstGeom prst="rect">
+            <a:avLst/>
+          </a:prstGeom>
+        </p:spPr>
+        <p:txBody>
+          <a:bodyPr anchorCtr="0" anchor="t" bIns="91425" lIns="91425" spcFirstLastPara="1" rIns="91425" wrap="square" tIns="91425">
+            <a:normAutofit fontScale="90000"/>
+          </a:bodyPr>
+          <a:lstStyle/>
+          <a:p>
+            <a:pPr indent="0" lvl="0" marL="0" rtl="0" algn="l">
+              <a:spcBef>
+                <a:spcPts val="0"/>
+              </a:spcBef>
+              <a:spcAft>
+                <a:spcPts val="0"/>
+              </a:spcAft>
+              <a:buNone/>
+            </a:pPr>
+            <a:r>
+              <a:rPr lang="en"/>
+              <a:t>Appendices</a:t>
+            </a:r>
+            <a:endParaRPr/>
+          </a:p>
+        </p:txBody>
+      </p:sp>
+      <p:sp>
+        <p:nvSpPr>
+          <p:cNvPr id="130" name="Google Shape;130;p24"/>
+          <p:cNvSpPr txBox="1"/>
+          <p:nvPr>
+            <p:ph idx="1" type="body"/>
+          </p:nvPr>
+        </p:nvSpPr>
+        <p:spPr>
+          <a:xfrm>
+            <a:off x="311700" y="1152475"/>
+            <a:ext cx="8520600" cy="3416400"/>
+          </a:xfrm>
+          <a:prstGeom prst="rect">
+            <a:avLst/>
+          </a:prstGeom>
+          <a:solidFill>
+            <a:srgbClr val="FFFFFF">
+              <a:alpha val="43040"/>
+            </a:srgbClr>
+          </a:solidFill>
+        </p:spPr>
+        <p:txBody>
+          <a:bodyPr anchorCtr="0" anchor="t" bIns="91425" lIns="91425" spcFirstLastPara="1" rIns="91425" wrap="square" tIns="91425">
+            <a:normAutofit fontScale="25000" lnSpcReduction="20000"/>
+          </a:bodyPr>
+          <a:lstStyle/>
+          <a:p>
+            <a:pPr indent="0" lvl="0" marL="0" rtl="0" algn="l">
+              <a:spcBef>
+                <a:spcPts val="0"/>
+              </a:spcBef>
+              <a:spcAft>
+                <a:spcPts val="0"/>
+              </a:spcAft>
+              <a:buNone/>
+            </a:pPr>
+            <a:r>
+              <a:rPr lang="en" sz="4800">
+                <a:solidFill>
+                  <a:schemeClr val="dk1"/>
+                </a:solidFill>
+              </a:rPr>
+              <a:t>Glossary:  </a:t>
+            </a:r>
+            <a:endParaRPr sz="4800">
+              <a:solidFill>
+                <a:schemeClr val="dk1"/>
+              </a:solidFill>
+            </a:endParaRPr>
+          </a:p>
+          <a:p>
+            <a:pPr indent="0" lvl="0" marL="0" rtl="0" algn="l">
+              <a:spcBef>
+                <a:spcPts val="1200"/>
+              </a:spcBef>
+              <a:spcAft>
+                <a:spcPts val="0"/>
+              </a:spcAft>
+              <a:buNone/>
+            </a:pPr>
+            <a:r>
+              <a:t/>
+            </a:r>
+            <a:endParaRPr sz="4800">
+              <a:solidFill>
+                <a:schemeClr val="dk1"/>
+              </a:solidFill>
+            </a:endParaRPr>
+          </a:p>
+          <a:p>
+            <a:pPr indent="0" lvl="0" marL="0" rtl="0" algn="l">
+              <a:spcBef>
+                <a:spcPts val="1200"/>
+              </a:spcBef>
+              <a:spcAft>
+                <a:spcPts val="0"/>
+              </a:spcAft>
+              <a:buNone/>
+            </a:pPr>
+            <a:r>
+              <a:t/>
+            </a:r>
+            <a:endParaRPr sz="4800">
+              <a:solidFill>
+                <a:schemeClr val="dk1"/>
+              </a:solidFill>
+            </a:endParaRPr>
+          </a:p>
+          <a:p>
+            <a:pPr indent="0" lvl="0" marL="0" rtl="0" algn="l">
+              <a:spcBef>
+                <a:spcPts val="1200"/>
+              </a:spcBef>
+              <a:spcAft>
+                <a:spcPts val="0"/>
+              </a:spcAft>
+              <a:buNone/>
+            </a:pPr>
+            <a:r>
+              <a:t/>
+            </a:r>
+            <a:endParaRPr sz="4800">
+              <a:solidFill>
+                <a:schemeClr val="dk1"/>
+              </a:solidFill>
+            </a:endParaRPr>
+          </a:p>
+          <a:p>
+            <a:pPr indent="0" lvl="0" marL="0" rtl="0" algn="l">
+              <a:spcBef>
+                <a:spcPts val="1200"/>
+              </a:spcBef>
+              <a:spcAft>
+                <a:spcPts val="0"/>
+              </a:spcAft>
+              <a:buNone/>
+            </a:pPr>
+            <a:r>
+              <a:rPr lang="en" sz="7200">
+                <a:solidFill>
+                  <a:schemeClr val="dk1"/>
+                </a:solidFill>
+              </a:rPr>
+              <a:t>Code Snippet</a:t>
+            </a:r>
+            <a:r>
+              <a:rPr lang="en" sz="4800">
+                <a:solidFill>
+                  <a:schemeClr val="dk1"/>
+                </a:solidFill>
+              </a:rPr>
+              <a:t>: import pandas as pd</a:t>
+            </a:r>
+            <a:endParaRPr sz="4800">
+              <a:solidFill>
+                <a:schemeClr val="dk1"/>
+              </a:solidFill>
+            </a:endParaRPr>
+          </a:p>
+          <a:p>
+            <a:pPr indent="0" lvl="0" marL="0" rtl="0" algn="l">
+              <a:spcBef>
+                <a:spcPts val="1200"/>
+              </a:spcBef>
+              <a:spcAft>
+                <a:spcPts val="0"/>
+              </a:spcAft>
+              <a:buClr>
+                <a:schemeClr val="dk1"/>
+              </a:buClr>
+              <a:buSzPts val="275"/>
+              <a:buFont typeface="Arial"/>
+              <a:buNone/>
+            </a:pPr>
+            <a:r>
+              <a:rPr lang="en" sz="4800">
+                <a:solidFill>
+                  <a:schemeClr val="dk1"/>
+                </a:solidFill>
+              </a:rPr>
+              <a:t># First, we need to remove all of the </a:t>
+            </a:r>
+            <a:r>
+              <a:rPr lang="en" sz="4800">
+                <a:solidFill>
+                  <a:schemeClr val="dk1"/>
+                </a:solidFill>
+              </a:rPr>
+              <a:t>unnecessary</a:t>
+            </a:r>
+            <a:r>
+              <a:rPr lang="en" sz="4800">
+                <a:solidFill>
+                  <a:schemeClr val="dk1"/>
+                </a:solidFill>
+              </a:rPr>
+              <a:t> features, since i picked all beach breaks on the pacific west coast, we are treating</a:t>
+            </a:r>
+            <a:endParaRPr sz="4800">
+              <a:solidFill>
+                <a:schemeClr val="dk1"/>
+              </a:solidFill>
+            </a:endParaRPr>
+          </a:p>
+          <a:p>
+            <a:pPr indent="0" lvl="0" marL="0" rtl="0" algn="l">
+              <a:spcBef>
+                <a:spcPts val="1200"/>
+              </a:spcBef>
+              <a:spcAft>
+                <a:spcPts val="0"/>
+              </a:spcAft>
+              <a:buClr>
+                <a:schemeClr val="dk1"/>
+              </a:buClr>
+              <a:buSzPts val="275"/>
+              <a:buFont typeface="Arial"/>
+              <a:buNone/>
+            </a:pPr>
+            <a:r>
+              <a:rPr lang="en" sz="4800">
+                <a:solidFill>
+                  <a:schemeClr val="dk1"/>
+                </a:solidFill>
+              </a:rPr>
+              <a:t># this as one surf break, no need to include </a:t>
+            </a:r>
+            <a:r>
+              <a:rPr lang="en" sz="4800">
+                <a:solidFill>
+                  <a:schemeClr val="dk1"/>
+                </a:solidFill>
+              </a:rPr>
+              <a:t>directions</a:t>
+            </a:r>
+            <a:r>
+              <a:rPr lang="en" sz="4800">
+                <a:solidFill>
+                  <a:schemeClr val="dk1"/>
+                </a:solidFill>
+              </a:rPr>
+              <a:t> relative to the shore line nor location/date/times.</a:t>
+            </a:r>
+            <a:endParaRPr sz="4800">
+              <a:solidFill>
+                <a:schemeClr val="dk1"/>
+              </a:solidFill>
+            </a:endParaRPr>
+          </a:p>
+          <a:p>
+            <a:pPr indent="0" lvl="0" marL="0" rtl="0" algn="l">
+              <a:spcBef>
+                <a:spcPts val="1200"/>
+              </a:spcBef>
+              <a:spcAft>
+                <a:spcPts val="0"/>
+              </a:spcAft>
+              <a:buClr>
+                <a:schemeClr val="dk1"/>
+              </a:buClr>
+              <a:buSzPts val="275"/>
+              <a:buFont typeface="Arial"/>
+              <a:buNone/>
+            </a:pPr>
+            <a:r>
+              <a:rPr lang="en" sz="4800">
+                <a:solidFill>
+                  <a:schemeClr val="dk1"/>
+                </a:solidFill>
+              </a:rPr>
+              <a:t># Load the dataset</a:t>
+            </a:r>
+            <a:endParaRPr sz="4800">
+              <a:solidFill>
+                <a:schemeClr val="dk1"/>
+              </a:solidFill>
+            </a:endParaRPr>
+          </a:p>
+          <a:p>
+            <a:pPr indent="0" lvl="0" marL="0" rtl="0" algn="l">
+              <a:spcBef>
+                <a:spcPts val="1200"/>
+              </a:spcBef>
+              <a:spcAft>
+                <a:spcPts val="0"/>
+              </a:spcAft>
+              <a:buClr>
+                <a:schemeClr val="dk1"/>
+              </a:buClr>
+              <a:buSzPts val="275"/>
+              <a:buFont typeface="Arial"/>
+              <a:buNone/>
+            </a:pPr>
+            <a:r>
+              <a:rPr lang="en" sz="4800">
+                <a:solidFill>
+                  <a:schemeClr val="dk1"/>
+                </a:solidFill>
+              </a:rPr>
+              <a:t>file_path = 'waves_fileV4b.csv'</a:t>
+            </a:r>
+            <a:endParaRPr sz="4800">
+              <a:solidFill>
+                <a:schemeClr val="dk1"/>
+              </a:solidFill>
+            </a:endParaRPr>
+          </a:p>
+          <a:p>
+            <a:pPr indent="0" lvl="0" marL="0" rtl="0" algn="l">
+              <a:spcBef>
+                <a:spcPts val="1200"/>
+              </a:spcBef>
+              <a:spcAft>
+                <a:spcPts val="0"/>
+              </a:spcAft>
+              <a:buNone/>
+            </a:pPr>
+            <a:r>
+              <a:rPr lang="en" sz="4800">
+                <a:solidFill>
+                  <a:schemeClr val="dk1"/>
+                </a:solidFill>
+              </a:rPr>
+              <a:t>data = pd.read_csv(file_path)</a:t>
+            </a:r>
+            <a:endParaRPr sz="4800">
+              <a:solidFill>
+                <a:schemeClr val="dk1"/>
+              </a:solidFill>
+            </a:endParaRPr>
+          </a:p>
+          <a:p>
+            <a:pPr indent="0" lvl="0" marL="0" rtl="0" algn="l">
+              <a:spcBef>
+                <a:spcPts val="1200"/>
+              </a:spcBef>
+              <a:spcAft>
+                <a:spcPts val="0"/>
+              </a:spcAft>
+              <a:buNone/>
+            </a:pPr>
+            <a:r>
+              <a:t/>
+            </a:r>
+            <a:endParaRPr sz="4845">
+              <a:solidFill>
+                <a:schemeClr val="dk1"/>
+              </a:solidFill>
+            </a:endParaRPr>
+          </a:p>
+          <a:p>
+            <a:pPr indent="0" lvl="0" marL="0" rtl="0" algn="l">
+              <a:spcBef>
+                <a:spcPts val="1200"/>
+              </a:spcBef>
+              <a:spcAft>
+                <a:spcPts val="0"/>
+              </a:spcAft>
+              <a:buClr>
+                <a:schemeClr val="dk1"/>
+              </a:buClr>
+              <a:buSzPct val="88338"/>
+              <a:buFont typeface="Arial"/>
+              <a:buNone/>
+            </a:pPr>
+            <a:r>
+              <a:t/>
+            </a:r>
+            <a:endParaRPr sz="1245">
+              <a:solidFill>
+                <a:schemeClr val="dk1"/>
+              </a:solidFill>
+            </a:endParaRPr>
+          </a:p>
+          <a:p>
+            <a:pPr indent="0" lvl="0" marL="0" rtl="0" algn="l">
+              <a:spcBef>
+                <a:spcPts val="1200"/>
+              </a:spcBef>
+              <a:spcAft>
+                <a:spcPts val="0"/>
+              </a:spcAft>
+              <a:buClr>
+                <a:schemeClr val="dk1"/>
+              </a:buClr>
+              <a:buSzPct val="61111"/>
+              <a:buFont typeface="Arial"/>
+              <a:buNone/>
+            </a:pPr>
+            <a:r>
+              <a:t/>
+            </a:r>
+            <a:endParaRPr>
+              <a:solidFill>
+                <a:schemeClr val="dk1"/>
+              </a:solidFill>
+            </a:endParaRPr>
+          </a:p>
+          <a:p>
+            <a:pPr indent="0" lvl="0" marL="0" rtl="0" algn="l">
+              <a:spcBef>
+                <a:spcPts val="1200"/>
+              </a:spcBef>
+              <a:spcAft>
+                <a:spcPts val="1200"/>
+              </a:spcAft>
+              <a:buNone/>
+            </a:pPr>
+            <a:r>
+              <a:t/>
+            </a:r>
+            <a:endParaRPr>
+              <a:solidFill>
+                <a:schemeClr val="dk1"/>
+              </a:solidFill>
+            </a:endParaRPr>
+          </a:p>
+        </p:txBody>
+      </p:sp>
+    </p:spTree>
+  </p:cSld>
+  <p:clrMapOvr>
+    <a:masterClrMapping/>
+  </p:clrMapOvr>
+</p:sld>
+</file>
+
+<file path=ppt/slides/slide13.xml><?xml version="1.0" encoding="utf-8"?>
+<p:sld xmlns:a="http://schemas.openxmlformats.org/drawingml/2006/main" xmlns:r="http://schemas.openxmlformats.org/officeDocument/2006/relationships" xmlns:mc="http://schemas.openxmlformats.org/markup-compatibility/2006" xmlns:mv="urn:schemas-microsoft-com:mac:vml" xmlns:p="http://schemas.openxmlformats.org/presentationml/2006/main" xmlns:c="http://schemas.openxmlformats.org/drawingml/2006/chart" xmlns:dgm="http://schemas.openxmlformats.org/drawingml/2006/diagram" xmlns:o="urn:schemas-microsoft-com:office:office" xmlns:v="urn:schemas-microsoft-com:vml" xmlns:pvml="urn:schemas-microsoft-com:office:powerpoint" xmlns:com="http://schemas.openxmlformats.org/drawingml/2006/compatibility" xmlns:p14="http://schemas.microsoft.com/office/powerpoint/2010/main" xmlns:p15="http://schemas.microsoft.com/office/powerpoint/2012/main" xmlns:ahyp="http://schemas.microsoft.com/office/drawing/2018/hyperlinkcolor">
+  <p:cSld>
+    <p:spTree>
+      <p:nvGrpSpPr>
+        <p:cNvPr id="134" name="Shape 134"/>
+        <p:cNvGrpSpPr/>
+        <p:nvPr/>
+      </p:nvGrpSpPr>
+      <p:grpSpPr>
+        <a:xfrm>
+          <a:off x="0" y="0"/>
+          <a:ext cx="0" cy="0"/>
+          <a:chOff x="0" y="0"/>
+          <a:chExt cx="0" cy="0"/>
+        </a:xfrm>
+      </p:grpSpPr>
+      <p:sp>
+        <p:nvSpPr>
+          <p:cNvPr id="135" name="Google Shape;135;p25"/>
+          <p:cNvSpPr txBox="1"/>
+          <p:nvPr>
+            <p:ph type="title"/>
+          </p:nvPr>
+        </p:nvSpPr>
+        <p:spPr>
+          <a:xfrm>
+            <a:off x="311700" y="445025"/>
+            <a:ext cx="8520600" cy="572700"/>
+          </a:xfrm>
+          <a:prstGeom prst="rect">
+            <a:avLst/>
+          </a:prstGeom>
+        </p:spPr>
+        <p:txBody>
+          <a:bodyPr anchorCtr="0" anchor="t" bIns="91425" lIns="91425" spcFirstLastPara="1" rIns="91425" wrap="square" tIns="91425">
+            <a:normAutofit fontScale="90000"/>
+          </a:bodyPr>
+          <a:lstStyle/>
+          <a:p>
+            <a:pPr indent="0" lvl="0" marL="0" rtl="0" algn="l">
+              <a:spcBef>
+                <a:spcPts val="0"/>
+              </a:spcBef>
+              <a:spcAft>
+                <a:spcPts val="0"/>
+              </a:spcAft>
+              <a:buNone/>
+            </a:pPr>
+            <a:r>
+              <a:rPr lang="en"/>
+              <a:t>Appendices</a:t>
+            </a:r>
+            <a:endParaRPr/>
+          </a:p>
+        </p:txBody>
+      </p:sp>
+      <p:sp>
+        <p:nvSpPr>
+          <p:cNvPr id="136" name="Google Shape;136;p25"/>
           <p:cNvSpPr txBox="1"/>
           <p:nvPr>
             <p:ph idx="1" type="body"/>
@@ -7273,7 +8398,7 @@
         </p:nvSpPr>
         <p:spPr>
           <a:xfrm>
-            <a:off x="311700" y="445025"/>
+            <a:off x="311700" y="299975"/>
             <a:ext cx="8520600" cy="572700"/>
           </a:xfrm>
           <a:prstGeom prst="rect">
@@ -7297,7 +8422,7 @@
             </a:pPr>
             <a:r>
               <a:rPr lang="en"/>
-              <a:t>Disclaimer</a:t>
+              <a:t>Legal Disclaimers</a:t>
             </a:r>
             <a:endParaRPr/>
           </a:p>
@@ -7313,8 +8438,8 @@
         </p:nvSpPr>
         <p:spPr>
           <a:xfrm>
-            <a:off x="311700" y="1017725"/>
-            <a:ext cx="8520600" cy="2530200"/>
+            <a:off x="311700" y="893850"/>
+            <a:ext cx="8234700" cy="3334800"/>
           </a:xfrm>
           <a:prstGeom prst="rect">
             <a:avLst/>
@@ -7336,7 +8461,7 @@
         </p:spPr>
         <p:txBody>
           <a:bodyPr anchorCtr="0" anchor="t" bIns="91425" lIns="91425" spcFirstLastPara="1" rIns="91425" wrap="square" tIns="91425">
-            <a:normAutofit/>
+            <a:normAutofit lnSpcReduction="20000"/>
           </a:bodyPr>
           <a:lstStyle/>
           <a:p>
@@ -7350,7 +8475,7 @@
               <a:buNone/>
             </a:pPr>
             <a:r>
-              <a:rPr b="1" lang="en" sz="1500">
+              <a:rPr b="1" lang="en" sz="1450">
                 <a:solidFill>
                   <a:schemeClr val="dk1"/>
                 </a:solidFill>
@@ -7547,7 +8672,139 @@
               </a:rPr>
               <a:t>For further information, please refer to their Terms and Conditions: https://www.surf-forecast.com/pages/terms</a:t>
             </a:r>
-            <a:endParaRPr sz="1900"/>
+            <a:endParaRPr sz="1300">
+              <a:solidFill>
+                <a:schemeClr val="dk1"/>
+              </a:solidFill>
+            </a:endParaRPr>
+          </a:p>
+          <a:p>
+            <a:pPr indent="0" lvl="0" marL="0" rtl="0" algn="l">
+              <a:spcBef>
+                <a:spcPts val="1200"/>
+              </a:spcBef>
+              <a:spcAft>
+                <a:spcPts val="0"/>
+              </a:spcAft>
+              <a:buNone/>
+            </a:pPr>
+            <a:r>
+              <a:rPr b="1" lang="en" sz="1450">
+                <a:solidFill>
+                  <a:schemeClr val="dk1"/>
+                </a:solidFill>
+              </a:rPr>
+              <a:t>Data Usage Disclaimer</a:t>
+            </a:r>
+            <a:r>
+              <a:rPr lang="en" sz="1450">
+                <a:solidFill>
+                  <a:schemeClr val="dk1"/>
+                </a:solidFill>
+              </a:rPr>
+              <a:t> </a:t>
+            </a:r>
+            <a:r>
+              <a:rPr lang="en" sz="1300">
+                <a:solidFill>
+                  <a:schemeClr val="dk1"/>
+                </a:solidFill>
+              </a:rPr>
+              <a:t>for Pysurfline</a:t>
+            </a:r>
+            <a:endParaRPr sz="1300">
+              <a:solidFill>
+                <a:schemeClr val="dk1"/>
+              </a:solidFill>
+            </a:endParaRPr>
+          </a:p>
+          <a:p>
+            <a:pPr indent="-311150" lvl="0" marL="457200" rtl="0" algn="l">
+              <a:spcBef>
+                <a:spcPts val="1200"/>
+              </a:spcBef>
+              <a:spcAft>
+                <a:spcPts val="0"/>
+              </a:spcAft>
+              <a:buClr>
+                <a:schemeClr val="dk1"/>
+              </a:buClr>
+              <a:buSzPts val="1300"/>
+              <a:buChar char="●"/>
+            </a:pPr>
+            <a:r>
+              <a:rPr lang="en" sz="1300">
+                <a:solidFill>
+                  <a:schemeClr val="dk1"/>
+                </a:solidFill>
+              </a:rPr>
+              <a:t>This project utilizes data scraped from the Pysurfline API for </a:t>
+            </a:r>
+            <a:r>
+              <a:rPr b="1" lang="en" sz="1300">
+                <a:solidFill>
+                  <a:schemeClr val="dk1"/>
+                </a:solidFill>
+              </a:rPr>
+              <a:t>educational and non-commercial purposes only</a:t>
+            </a:r>
+            <a:r>
+              <a:rPr lang="en" sz="1300">
+                <a:solidFill>
+                  <a:schemeClr val="dk1"/>
+                </a:solidFill>
+              </a:rPr>
+              <a:t>.</a:t>
+            </a:r>
+            <a:endParaRPr sz="1300">
+              <a:solidFill>
+                <a:schemeClr val="dk1"/>
+              </a:solidFill>
+            </a:endParaRPr>
+          </a:p>
+          <a:p>
+            <a:pPr indent="-311150" lvl="0" marL="457200" rtl="0" algn="l">
+              <a:spcBef>
+                <a:spcPts val="0"/>
+              </a:spcBef>
+              <a:spcAft>
+                <a:spcPts val="0"/>
+              </a:spcAft>
+              <a:buClr>
+                <a:schemeClr val="dk1"/>
+              </a:buClr>
+              <a:buSzPts val="1300"/>
+              <a:buChar char="●"/>
+            </a:pPr>
+            <a:r>
+              <a:rPr lang="en" sz="1300">
+                <a:solidFill>
+                  <a:schemeClr val="dk1"/>
+                </a:solidFill>
+              </a:rPr>
+              <a:t>Pysurfline is </a:t>
+            </a:r>
+            <a:r>
+              <a:rPr b="1" lang="en" sz="1300">
+                <a:solidFill>
+                  <a:schemeClr val="dk1"/>
+                </a:solidFill>
+              </a:rPr>
+              <a:t>not affiliated with Surfline/</a:t>
+            </a:r>
+            <a:r>
+              <a:rPr lang="en" sz="1300">
+                <a:solidFill>
+                  <a:schemeClr val="dk1"/>
+                </a:solidFill>
+              </a:rPr>
+              <a:t>WaveTrak, Inc (aka Surfline.com) in any way, shape, or form.</a:t>
+            </a:r>
+            <a:endParaRPr sz="1300">
+              <a:solidFill>
+                <a:schemeClr val="dk1"/>
+              </a:solidFill>
+            </a:endParaRPr>
           </a:p>
         </p:txBody>
       </p:sp>
@@ -7637,8 +8894,14 @@
               <a:alpha val="43040"/>
             </a:srgbClr>
           </a:solidFill>
-          <a:ln>
-            <a:noFill/>
+          <a:ln cap="flat" cmpd="sng" w="9525">
+            <a:solidFill>
+              <a:srgbClr val="E1F3F8"/>
+            </a:solidFill>
+            <a:prstDash val="solid"/>
+            <a:round/>
+            <a:headEnd len="sm" w="sm" type="none"/>
+            <a:tailEnd len="sm" w="sm" type="none"/>
           </a:ln>
         </p:spPr>
         <p:txBody>
@@ -7662,7 +8925,7 @@
               <a:buNone/>
             </a:pPr>
             <a:r>
-              <a:rPr b="1" lang="en" sz="1300">
+              <a:rPr b="1" lang="en" sz="1600">
                 <a:solidFill>
                   <a:schemeClr val="dk1"/>
                 </a:solidFill>
@@ -7670,14 +8933,30 @@
               <a:t>Project:</a:t>
             </a:r>
             <a:r>
-              <a:rPr lang="en" sz="1200">
+              <a:rPr lang="en" sz="1500">
                 <a:solidFill>
                   <a:schemeClr val="dk1"/>
                 </a:solidFill>
               </a:rPr>
-              <a:t> Predicting the Quality of Surf based on general NOAA data.</a:t>
-            </a:r>
-            <a:endParaRPr sz="1200">
+              <a:t> </a:t>
+            </a:r>
+            <a:r>
+              <a:rPr lang="en" sz="1500" u="sng">
+                <a:solidFill>
+                  <a:schemeClr val="dk1"/>
+                </a:solidFill>
+              </a:rPr>
+              <a:t>Predicting the quality of surf</a:t>
+            </a:r>
+            <a:r>
+              <a:rPr lang="en" sz="1500">
+                <a:solidFill>
+                  <a:schemeClr val="dk1"/>
+                </a:solidFill>
+              </a:rPr>
+              <a:t> based on data from the National Oceanic and Atmospheric Administration (NOAA).</a:t>
+            </a:r>
+            <a:endParaRPr sz="1500">
               <a:solidFill>
                 <a:schemeClr val="dk1"/>
               </a:solidFill>
@@ -7699,7 +8978,7 @@
               <a:buNone/>
             </a:pPr>
             <a:r>
-              <a:rPr b="1" lang="en" sz="1300">
+              <a:rPr b="1" lang="en" sz="1600">
                 <a:solidFill>
                   <a:schemeClr val="dk1"/>
                 </a:solidFill>
@@ -7707,7 +8986,7 @@
               <a:t>Goal:</a:t>
             </a:r>
             <a:r>
-              <a:rPr lang="en" sz="1200">
+              <a:rPr lang="en" sz="1500">
                 <a:solidFill>
                   <a:schemeClr val="dk1"/>
                 </a:solidFill>
@@ -7715,7 +8994,7 @@
               <a:t> Provide a </a:t>
             </a:r>
             <a:r>
-              <a:rPr b="1" lang="en" sz="1200">
+              <a:rPr b="1" lang="en" sz="1500">
                 <a:solidFill>
                   <a:schemeClr val="dk1"/>
                 </a:solidFill>
@@ -7723,15 +9002,31 @@
               <a:t>user-friendly interface</a:t>
             </a:r>
             <a:r>
-              <a:rPr lang="en" sz="1200">
+              <a:rPr lang="en" sz="1500">
                 <a:solidFill>
                   <a:schemeClr val="dk1"/>
                 </a:solidFill>
               </a:rPr>
-              <a:t> between raw NOAA data and </a:t>
-            </a:r>
-            <a:r>
-              <a:rPr b="1" lang="en" sz="1200">
+              <a:t> between </a:t>
+            </a:r>
+            <a:r>
+              <a:rPr b="1" lang="en" sz="1500">
+                <a:solidFill>
+                  <a:schemeClr val="dk1"/>
+                </a:solidFill>
+              </a:rPr>
+              <a:t>raw NOAA data</a:t>
+            </a:r>
+            <a:r>
+              <a:rPr lang="en" sz="1500">
+                <a:solidFill>
+                  <a:schemeClr val="dk1"/>
+                </a:solidFill>
+              </a:rPr>
+              <a:t> and </a:t>
+            </a:r>
+            <a:r>
+              <a:rPr b="1" lang="en" sz="1500">
                 <a:solidFill>
                   <a:schemeClr val="dk1"/>
                 </a:solidFill>
@@ -7739,14 +9034,14 @@
               <a:t>human-readable surf reports</a:t>
             </a:r>
             <a:r>
-              <a:rPr lang="en" sz="1200">
+              <a:rPr lang="en" sz="1500">
                 <a:solidFill>
                   <a:schemeClr val="dk1"/>
                 </a:solidFill>
               </a:rPr>
-              <a:t> using AI techniques discussed throughout CS450 to predict real-time surf conditions.</a:t>
-            </a:r>
-            <a:endParaRPr sz="1200">
+              <a:t> using AI techniques discussed throughout CS450.</a:t>
+            </a:r>
+            <a:endParaRPr sz="1500">
               <a:solidFill>
                 <a:schemeClr val="dk1"/>
               </a:solidFill>
@@ -7768,21 +9063,21 @@
               <a:buNone/>
             </a:pPr>
             <a:r>
-              <a:rPr b="1" lang="en" sz="1300">
+              <a:rPr b="1" lang="en" sz="1600">
                 <a:solidFill>
                   <a:schemeClr val="dk1"/>
                 </a:solidFill>
               </a:rPr>
               <a:t>Significance:</a:t>
             </a:r>
-            <a:endParaRPr b="1" sz="1300">
+            <a:endParaRPr b="1" sz="1600">
               <a:solidFill>
                 <a:schemeClr val="dk1"/>
               </a:solidFill>
             </a:endParaRPr>
           </a:p>
           <a:p>
-            <a:pPr indent="-304800" lvl="0" marL="457200" rtl="0" algn="l">
+            <a:pPr indent="-323850" lvl="0" marL="457200" rtl="0" algn="l">
               <a:spcBef>
                 <a:spcPts val="1200"/>
               </a:spcBef>
@@ -7792,41 +9087,49 @@
               <a:buClr>
                 <a:schemeClr val="dk1"/>
               </a:buClr>
-              <a:buSzPts val="1200"/>
+              <a:buSzPts val="1500"/>
               <a:buAutoNum type="romanUcPeriod"/>
             </a:pPr>
             <a:r>
-              <a:rPr lang="en" sz="1200">
+              <a:rPr b="1" lang="en" sz="1500">
                 <a:solidFill>
                   <a:schemeClr val="dk1"/>
                 </a:solidFill>
               </a:rPr>
-              <a:t> Surf conditions are </a:t>
-            </a:r>
-            <a:r>
-              <a:rPr i="1" lang="en" sz="1200">
+              <a:t>Surf</a:t>
+            </a:r>
+            <a:r>
+              <a:rPr lang="en" sz="1500">
                 <a:solidFill>
                   <a:schemeClr val="dk1"/>
                 </a:solidFill>
               </a:rPr>
-              <a:t>extremely</a:t>
-            </a:r>
-            <a:r>
-              <a:rPr lang="en" sz="1200">
+              <a:t> </a:t>
+            </a:r>
+            <a:r>
+              <a:rPr b="1" lang="en" sz="1500">
                 <a:solidFill>
                   <a:schemeClr val="dk1"/>
                 </a:solidFill>
               </a:rPr>
-              <a:t> difficult to predict accurately with general data analysis and algorithms.</a:t>
-            </a:r>
-            <a:endParaRPr sz="1200">
+              <a:t>conditions are infamously difficult to predict</a:t>
+            </a:r>
+            <a:r>
+              <a:rPr lang="en" sz="1500">
+                <a:solidFill>
+                  <a:schemeClr val="dk1"/>
+                </a:solidFill>
+              </a:rPr>
+              <a:t> accurately with simple data analysis and hand-written algorithms.</a:t>
+            </a:r>
+            <a:endParaRPr sz="1500">
               <a:solidFill>
                 <a:schemeClr val="dk1"/>
               </a:solidFill>
             </a:endParaRPr>
           </a:p>
           <a:p>
-            <a:pPr indent="-304800" lvl="0" marL="457200" rtl="0" algn="l">
+            <a:pPr indent="-323850" lvl="0" marL="457200" rtl="0" algn="l">
               <a:spcBef>
                 <a:spcPts val="0"/>
               </a:spcBef>
@@ -7836,18 +9139,34 @@
               <a:buClr>
                 <a:schemeClr val="dk1"/>
               </a:buClr>
-              <a:buSzPts val="1200"/>
+              <a:buSzPts val="1500"/>
               <a:buAutoNum type="romanUcPeriod"/>
             </a:pPr>
             <a:r>
-              <a:rPr lang="en" sz="1200">
+              <a:rPr lang="en" sz="1500">
                 <a:solidFill>
                   <a:schemeClr val="dk1"/>
                 </a:solidFill>
               </a:rPr>
-              <a:t>As humans, it is tough to fully understand the complexity of reports</a:t>
-            </a:r>
-            <a:endParaRPr>
+              <a:t>The complexity of modern surf reports can be </a:t>
+            </a:r>
+            <a:r>
+              <a:rPr b="1" lang="en" sz="1500">
+                <a:solidFill>
+                  <a:schemeClr val="dk1"/>
+                </a:solidFill>
+              </a:rPr>
+              <a:t>overwhelming and confusing</a:t>
+            </a:r>
+            <a:r>
+              <a:rPr lang="en" sz="1500">
+                <a:solidFill>
+                  <a:schemeClr val="dk1"/>
+                </a:solidFill>
+              </a:rPr>
+              <a:t> for general audiences when attempting to interpret.</a:t>
+            </a:r>
+            <a:endParaRPr sz="2100">
               <a:solidFill>
                 <a:schemeClr val="dk1"/>
               </a:solidFill>
@@ -7866,6 +9185,18 @@
 <file path=ppt/slides/slide4.xml><?xml version="1.0" encoding="utf-8"?>
 <p:sld xmlns:a="http://schemas.openxmlformats.org/drawingml/2006/main" xmlns:r="http://schemas.openxmlformats.org/officeDocument/2006/relationships" xmlns:mc="http://schemas.openxmlformats.org/markup-compatibility/2006" xmlns:mv="urn:schemas-microsoft-com:mac:vml" xmlns:p="http://schemas.openxmlformats.org/presentationml/2006/main" xmlns:c="http://schemas.openxmlformats.org/drawingml/2006/chart" xmlns:dgm="http://schemas.openxmlformats.org/drawingml/2006/diagram" xmlns:o="urn:schemas-microsoft-com:office:office" xmlns:v="urn:schemas-microsoft-com:vml" xmlns:pvml="urn:schemas-microsoft-com:office:powerpoint" xmlns:com="http://schemas.openxmlformats.org/drawingml/2006/compatibility" xmlns:p14="http://schemas.microsoft.com/office/powerpoint/2010/main" xmlns:p15="http://schemas.microsoft.com/office/powerpoint/2012/main" xmlns:ahyp="http://schemas.microsoft.com/office/drawing/2018/hyperlinkcolor">
   <p:cSld>
+    <p:bg>
+      <p:bgPr>
+        <a:blipFill>
+          <a:blip r:embed="rId3">
+            <a:alphaModFix/>
+          </a:blip>
+          <a:stretch>
+            <a:fillRect/>
+          </a:stretch>
+        </a:blipFill>
+      </p:bgPr>
+    </p:bg>
     <p:spTree>
       <p:nvGrpSpPr>
         <p:cNvPr id="74" name="Shape 74"/>
@@ -7914,7 +9245,7 @@
             </a:pPr>
             <a:r>
               <a:rPr lang="en"/>
-              <a:t>Data and Methodology</a:t>
+              <a:t> </a:t>
             </a:r>
             <a:endParaRPr/>
           </a:p>
@@ -7936,11 +9267,6 @@
           <a:prstGeom prst="rect">
             <a:avLst/>
           </a:prstGeom>
-          <a:solidFill>
-            <a:srgbClr val="FFFFFF">
-              <a:alpha val="43040"/>
-            </a:srgbClr>
-          </a:solidFill>
         </p:spPr>
         <p:txBody>
           <a:bodyPr anchorCtr="0" anchor="t" bIns="91425" lIns="91425" spcFirstLastPara="1" rIns="91425" wrap="square" tIns="91425">
@@ -7953,146 +9279,52 @@
                 <a:spcPts val="0"/>
               </a:spcBef>
               <a:spcAft>
-                <a:spcPts val="0"/>
+                <a:spcPts val="1200"/>
               </a:spcAft>
               <a:buNone/>
             </a:pPr>
             <a:r>
-              <a:rPr lang="en">
-                <a:solidFill>
-                  <a:schemeClr val="dk1"/>
-                </a:solidFill>
-              </a:rPr>
-              <a:t>Time Frame: 26/11/24-30/11/24</a:t>
-            </a:r>
-            <a:endParaRPr>
-              <a:solidFill>
-                <a:schemeClr val="dk1"/>
-              </a:solidFill>
-            </a:endParaRPr>
-          </a:p>
-          <a:p>
-            <a:pPr indent="0" lvl="0" marL="0" rtl="0" algn="l">
-              <a:spcBef>
-                <a:spcPts val="1200"/>
-              </a:spcBef>
-              <a:spcAft>
-                <a:spcPts val="0"/>
-              </a:spcAft>
-              <a:buNone/>
-            </a:pPr>
-            <a:r>
-              <a:rPr lang="en">
-                <a:solidFill>
-                  <a:schemeClr val="dk1"/>
-                </a:solidFill>
-              </a:rPr>
-              <a:t>Geographic Scope: </a:t>
-            </a:r>
-            <a:endParaRPr>
-              <a:solidFill>
-                <a:schemeClr val="dk1"/>
-              </a:solidFill>
-            </a:endParaRPr>
-          </a:p>
-          <a:p>
-            <a:pPr indent="0" lvl="0" marL="0" rtl="0" algn="l">
-              <a:spcBef>
-                <a:spcPts val="1200"/>
-              </a:spcBef>
-              <a:spcAft>
-                <a:spcPts val="0"/>
-              </a:spcAft>
-              <a:buNone/>
-            </a:pPr>
-            <a:r>
-              <a:rPr lang="en">
-                <a:solidFill>
-                  <a:schemeClr val="dk1"/>
-                </a:solidFill>
-              </a:rPr>
-              <a:t>Sample Size: </a:t>
-            </a:r>
-            <a:endParaRPr>
-              <a:solidFill>
-                <a:schemeClr val="dk1"/>
-              </a:solidFill>
-            </a:endParaRPr>
-          </a:p>
-          <a:p>
-            <a:pPr indent="0" lvl="0" marL="0" rtl="0" algn="l">
-              <a:spcBef>
-                <a:spcPts val="1200"/>
-              </a:spcBef>
-              <a:spcAft>
-                <a:spcPts val="0"/>
-              </a:spcAft>
-              <a:buNone/>
-            </a:pPr>
-            <a:r>
-              <a:rPr lang="en">
-                <a:solidFill>
-                  <a:schemeClr val="dk1"/>
-                </a:solidFill>
-              </a:rPr>
-              <a:t>Weather Data: </a:t>
-            </a:r>
-            <a:endParaRPr>
-              <a:solidFill>
-                <a:schemeClr val="dk1"/>
-              </a:solidFill>
-            </a:endParaRPr>
-          </a:p>
-          <a:p>
-            <a:pPr indent="0" lvl="0" marL="0" rtl="0" algn="l">
-              <a:spcBef>
-                <a:spcPts val="1200"/>
-              </a:spcBef>
-              <a:spcAft>
-                <a:spcPts val="0"/>
-              </a:spcAft>
-              <a:buNone/>
-            </a:pPr>
-            <a:r>
-              <a:rPr lang="en">
-                <a:solidFill>
-                  <a:schemeClr val="dk1"/>
-                </a:solidFill>
-              </a:rPr>
-              <a:t>Preprocessing: </a:t>
-            </a:r>
-            <a:endParaRPr>
-              <a:solidFill>
-                <a:schemeClr val="dk1"/>
-              </a:solidFill>
-            </a:endParaRPr>
-          </a:p>
-          <a:p>
-            <a:pPr indent="0" lvl="0" marL="0" rtl="0" algn="l">
-              <a:spcBef>
-                <a:spcPts val="1200"/>
-              </a:spcBef>
-              <a:spcAft>
-                <a:spcPts val="1200"/>
-              </a:spcAft>
-              <a:buNone/>
-            </a:pPr>
-            <a:r>
-              <a:rPr lang="en">
-                <a:solidFill>
-                  <a:schemeClr val="dk1"/>
-                </a:solidFill>
-              </a:rPr>
-              <a:t>Model Used: sklearn, *add why* </a:t>
-            </a:r>
-            <a:endParaRPr>
-              <a:solidFill>
-                <a:schemeClr val="dk1"/>
-              </a:solidFill>
-            </a:endParaRPr>
+              <a:rPr lang="en"/>
+              <a:t> </a:t>
+            </a:r>
+            <a:endParaRPr/>
           </a:p>
         </p:txBody>
       </p:sp>
+      <p:pic>
+        <p:nvPicPr>
+          <p:cNvPr id="77" name="Google Shape;77;p16"/>
+          <p:cNvPicPr preferRelativeResize="0"/>
+          <p:nvPr/>
+        </p:nvPicPr>
+        <p:blipFill>
+          <a:blip r:embed="rId4">
+            <a:alphaModFix/>
+          </a:blip>
+          <a:stretch>
+            <a:fillRect/>
+          </a:stretch>
+        </p:blipFill>
+        <p:spPr>
+          <a:xfrm>
+            <a:off x="2030625" y="175588"/>
+            <a:ext cx="4792325" cy="4792325"/>
+          </a:xfrm>
+          <a:prstGeom prst="rect">
+            <a:avLst/>
+          </a:prstGeom>
+          <a:noFill/>
+          <a:ln cap="flat" cmpd="sng" w="76200">
+            <a:solidFill>
+              <a:srgbClr val="C9DAF8"/>
+            </a:solidFill>
+            <a:prstDash val="solid"/>
+            <a:round/>
+            <a:headEnd len="sm" w="sm" type="none"/>
+            <a:tailEnd len="sm" w="sm" type="none"/>
+          </a:ln>
+        </p:spPr>
+      </p:pic>
     </p:spTree>
   </p:cSld>
   <p:clrMapOvr>
@@ -8106,7 +9338,7 @@
   <p:cSld>
     <p:spTree>
       <p:nvGrpSpPr>
-        <p:cNvPr id="80" name="Shape 80"/>
+        <p:cNvPr id="81" name="Shape 81"/>
         <p:cNvGrpSpPr/>
         <p:nvPr/>
       </p:nvGrpSpPr>
@@ -8120,7 +9352,7 @@
       </p:grpSpPr>
       <p:sp>
         <p:nvSpPr>
-          <p:cNvPr id="81" name="Google Shape;81;p17"/>
+          <p:cNvPr id="82" name="Google Shape;82;p17"/>
           <p:cNvSpPr txBox="1"/>
           <p:nvPr>
             <p:ph type="title"/>
@@ -8152,7 +9384,7 @@
             </a:pPr>
             <a:r>
               <a:rPr lang="en"/>
-              <a:t>Raw Data</a:t>
+              <a:t>Data Preprocessing I</a:t>
             </a:r>
             <a:endParaRPr/>
           </a:p>
@@ -8160,7 +9392,7 @@
       </p:sp>
       <p:sp>
         <p:nvSpPr>
-          <p:cNvPr id="82" name="Google Shape;82;p17"/>
+          <p:cNvPr id="83" name="Google Shape;83;p17"/>
           <p:cNvSpPr txBox="1"/>
           <p:nvPr>
             <p:ph idx="1" type="body"/>
@@ -8174,56 +9406,14 @@
           <a:prstGeom prst="rect">
             <a:avLst/>
           </a:prstGeom>
-        </p:spPr>
-        <p:txBody>
-          <a:bodyPr anchorCtr="0" anchor="t" bIns="91425" lIns="91425" spcFirstLastPara="1" rIns="91425" wrap="square" tIns="91425">
-            <a:normAutofit/>
-          </a:bodyPr>
-          <a:lstStyle/>
-          <a:p>
-            <a:pPr indent="0" lvl="0" marL="0" rtl="0" algn="l">
-              <a:spcBef>
-                <a:spcPts val="0"/>
-              </a:spcBef>
-              <a:spcAft>
-                <a:spcPts val="1200"/>
-              </a:spcAft>
-              <a:buNone/>
-            </a:pPr>
-            <a:r>
-              <a:rPr lang="en"/>
-              <a:t> </a:t>
-            </a:r>
-            <a:endParaRPr/>
-          </a:p>
-        </p:txBody>
-      </p:sp>
-      <p:pic>
-        <p:nvPicPr>
-          <p:cNvPr id="83" name="Google Shape;83;p17"/>
-          <p:cNvPicPr preferRelativeResize="0"/>
-          <p:nvPr/>
-        </p:nvPicPr>
-        <p:blipFill>
-          <a:blip r:embed="rId3">
-            <a:alphaModFix/>
-          </a:blip>
-          <a:stretch>
-            <a:fillRect/>
-          </a:stretch>
-        </p:blipFill>
-        <p:spPr>
-          <a:xfrm>
-            <a:off x="4195125" y="181075"/>
-            <a:ext cx="4792325" cy="4792325"/>
-          </a:xfrm>
-          <a:prstGeom prst="rect">
-            <a:avLst/>
-          </a:prstGeom>
-          <a:noFill/>
-          <a:ln cap="flat" cmpd="sng" w="76200">
+          <a:solidFill>
+            <a:srgbClr val="FFFFFF">
+              <a:alpha val="43040"/>
+            </a:srgbClr>
+          </a:solidFill>
+          <a:ln cap="flat" cmpd="sng" w="9525">
             <a:solidFill>
-              <a:srgbClr val="C9DAF8"/>
+              <a:srgbClr val="E1F3F8"/>
             </a:solidFill>
             <a:prstDash val="solid"/>
             <a:round/>
@@ -8231,7 +9421,172 @@
             <a:tailEnd len="sm" w="sm" type="none"/>
           </a:ln>
         </p:spPr>
-      </p:pic>
+        <p:txBody>
+          <a:bodyPr anchorCtr="0" anchor="t" bIns="91425" lIns="91425" spcFirstLastPara="1" rIns="91425" wrap="square" tIns="91425">
+            <a:normAutofit fontScale="92500" lnSpcReduction="20000"/>
+          </a:bodyPr>
+          <a:lstStyle/>
+          <a:p>
+            <a:pPr indent="0" lvl="0" marL="0" rtl="0" algn="l">
+              <a:spcBef>
+                <a:spcPts val="0"/>
+              </a:spcBef>
+              <a:spcAft>
+                <a:spcPts val="0"/>
+              </a:spcAft>
+              <a:buNone/>
+            </a:pPr>
+            <a:r>
+              <a:rPr lang="en"/>
+              <a:t>Arguably the most aching part of this project, as we </a:t>
+            </a:r>
+            <a:r>
+              <a:rPr i="1" lang="en"/>
+              <a:t>did not</a:t>
+            </a:r>
+            <a:r>
+              <a:rPr lang="en"/>
+              <a:t> know if this was even possible at first.</a:t>
+            </a:r>
+            <a:endParaRPr/>
+          </a:p>
+          <a:p>
+            <a:pPr indent="0" lvl="0" marL="0" rtl="0" algn="l">
+              <a:spcBef>
+                <a:spcPts val="1200"/>
+              </a:spcBef>
+              <a:spcAft>
+                <a:spcPts val="0"/>
+              </a:spcAft>
+              <a:buNone/>
+            </a:pPr>
+            <a:r>
+              <a:rPr lang="en"/>
+              <a:t>Not only is swell and wind data </a:t>
+            </a:r>
+            <a:r>
+              <a:rPr b="1" i="1" lang="en"/>
+              <a:t>extremely</a:t>
+            </a:r>
+            <a:r>
+              <a:rPr lang="en"/>
+              <a:t> difficult to access </a:t>
+            </a:r>
+            <a:r>
+              <a:rPr lang="en"/>
+              <a:t>legally</a:t>
+            </a:r>
+            <a:r>
+              <a:rPr lang="en"/>
+              <a:t>, it’s even more difficult to have a computer program make sense of that input.</a:t>
+            </a:r>
+            <a:endParaRPr/>
+          </a:p>
+          <a:p>
+            <a:pPr indent="0" lvl="0" marL="0" rtl="0" algn="l">
+              <a:spcBef>
+                <a:spcPts val="1200"/>
+              </a:spcBef>
+              <a:spcAft>
+                <a:spcPts val="0"/>
+              </a:spcAft>
+              <a:buNone/>
+            </a:pPr>
+            <a:r>
+              <a:rPr lang="en"/>
+              <a:t>Data accessed from </a:t>
+            </a:r>
+            <a:r>
+              <a:rPr b="1" lang="en"/>
+              <a:t>SurfForecast.com</a:t>
+            </a:r>
+            <a:r>
+              <a:rPr lang="en"/>
+              <a:t>, </a:t>
+            </a:r>
+            <a:r>
+              <a:rPr b="1" lang="en"/>
+              <a:t>Pysufline</a:t>
+            </a:r>
+            <a:r>
+              <a:rPr lang="en"/>
+              <a:t>, and </a:t>
+            </a:r>
+            <a:r>
+              <a:rPr b="1" lang="en"/>
+              <a:t>RealWaterSports.com</a:t>
+            </a:r>
+            <a:r>
+              <a:rPr lang="en"/>
+              <a:t>.</a:t>
+            </a:r>
+            <a:endParaRPr/>
+          </a:p>
+          <a:p>
+            <a:pPr indent="0" lvl="0" marL="0" rtl="0" algn="l">
+              <a:spcBef>
+                <a:spcPts val="1200"/>
+              </a:spcBef>
+              <a:spcAft>
+                <a:spcPts val="0"/>
+              </a:spcAft>
+              <a:buNone/>
+            </a:pPr>
+            <a:r>
+              <a:rPr lang="en"/>
+              <a:t>Took </a:t>
+            </a:r>
+            <a:r>
+              <a:rPr b="1" lang="en"/>
+              <a:t>weeks of test trials</a:t>
+            </a:r>
+            <a:r>
+              <a:rPr lang="en"/>
+              <a:t>: scraping, cleaning, processing, organizing, and storing/accessing. Each read and write to database costs money ☹</a:t>
+            </a:r>
+            <a:endParaRPr/>
+          </a:p>
+          <a:p>
+            <a:pPr indent="0" lvl="0" marL="0" rtl="0" algn="l">
+              <a:spcBef>
+                <a:spcPts val="1200"/>
+              </a:spcBef>
+              <a:spcAft>
+                <a:spcPts val="0"/>
+              </a:spcAft>
+              <a:buNone/>
+            </a:pPr>
+            <a:r>
+              <a:rPr lang="en"/>
+              <a:t>Effectively simulated </a:t>
+            </a:r>
+            <a:r>
+              <a:rPr b="1" lang="en"/>
+              <a:t>several years of surf data for a single beach</a:t>
+            </a:r>
+            <a:r>
+              <a:rPr lang="en"/>
+              <a:t> using two weeks worth of data from thousands of beaches across the pacific coast.</a:t>
+            </a:r>
+            <a:endParaRPr/>
+          </a:p>
+          <a:p>
+            <a:pPr indent="0" lvl="0" marL="0" rtl="0" algn="l">
+              <a:spcBef>
+                <a:spcPts val="1200"/>
+              </a:spcBef>
+              <a:spcAft>
+                <a:spcPts val="1200"/>
+              </a:spcAft>
+              <a:buNone/>
+            </a:pPr>
+            <a:r>
+              <a:t/>
+            </a:r>
+            <a:endParaRPr/>
+          </a:p>
+        </p:txBody>
+      </p:sp>
     </p:spTree>
   </p:cSld>
   <p:clrMapOvr>
@@ -8291,7 +9646,7 @@
             </a:pPr>
             <a:r>
               <a:rPr lang="en"/>
-              <a:t>Experimental Results</a:t>
+              <a:t>Data Preprocessing II</a:t>
             </a:r>
             <a:endParaRPr/>
           </a:p>
@@ -8300,6 +9655,548 @@
       <p:sp>
         <p:nvSpPr>
           <p:cNvPr id="89" name="Google Shape;89;p18"/>
+          <p:cNvSpPr txBox="1"/>
+          <p:nvPr>
+            <p:ph idx="1" type="body"/>
+          </p:nvPr>
+        </p:nvSpPr>
+        <p:spPr>
+          <a:xfrm>
+            <a:off x="311700" y="1152475"/>
+            <a:ext cx="8520600" cy="3109500"/>
+          </a:xfrm>
+          <a:prstGeom prst="rect">
+            <a:avLst/>
+          </a:prstGeom>
+          <a:solidFill>
+            <a:srgbClr val="FFFFFF">
+              <a:alpha val="43040"/>
+            </a:srgbClr>
+          </a:solidFill>
+          <a:ln cap="flat" cmpd="sng" w="9525">
+            <a:solidFill>
+              <a:srgbClr val="E1F3F8"/>
+            </a:solidFill>
+            <a:prstDash val="solid"/>
+            <a:round/>
+            <a:headEnd len="sm" w="sm" type="none"/>
+            <a:tailEnd len="sm" w="sm" type="none"/>
+          </a:ln>
+        </p:spPr>
+        <p:txBody>
+          <a:bodyPr anchorCtr="0" anchor="t" bIns="91425" lIns="91425" spcFirstLastPara="1" rIns="91425" wrap="square" tIns="91425">
+            <a:normAutofit fontScale="85000" lnSpcReduction="10000"/>
+          </a:bodyPr>
+          <a:lstStyle/>
+          <a:p>
+            <a:pPr indent="0" lvl="0" marL="0" rtl="0" algn="l">
+              <a:spcBef>
+                <a:spcPts val="0"/>
+              </a:spcBef>
+              <a:spcAft>
+                <a:spcPts val="0"/>
+              </a:spcAft>
+              <a:buNone/>
+            </a:pPr>
+            <a:r>
+              <a:rPr lang="en"/>
+              <a:t>Using </a:t>
+            </a:r>
+            <a:r>
+              <a:rPr b="1" lang="en"/>
+              <a:t>BeautifulSoup</a:t>
+            </a:r>
+            <a:r>
+              <a:rPr lang="en"/>
+              <a:t>, </a:t>
+            </a:r>
+            <a:r>
+              <a:rPr b="1" lang="en"/>
+              <a:t>Pandas</a:t>
+            </a:r>
+            <a:r>
+              <a:rPr lang="en"/>
+              <a:t>, </a:t>
+            </a:r>
+            <a:r>
+              <a:rPr b="1" lang="en"/>
+              <a:t>Selenium</a:t>
+            </a:r>
+            <a:r>
+              <a:rPr lang="en"/>
+              <a:t>, </a:t>
+            </a:r>
+            <a:r>
+              <a:rPr b="1" lang="en"/>
+              <a:t>MapBox</a:t>
+            </a:r>
+            <a:r>
+              <a:rPr lang="en"/>
+              <a:t>, and </a:t>
+            </a:r>
+            <a:r>
+              <a:rPr b="1" lang="en"/>
+              <a:t>Python</a:t>
+            </a:r>
+            <a:r>
+              <a:rPr lang="en"/>
+              <a:t>, various data preprocessing programs were developed. </a:t>
+            </a:r>
+            <a:endParaRPr/>
+          </a:p>
+          <a:p>
+            <a:pPr indent="0" lvl="0" marL="0" rtl="0" algn="l">
+              <a:spcBef>
+                <a:spcPts val="1200"/>
+              </a:spcBef>
+              <a:spcAft>
+                <a:spcPts val="0"/>
+              </a:spcAft>
+              <a:buNone/>
+            </a:pPr>
+            <a:r>
+              <a:rPr lang="en"/>
+              <a:t>Storage was accomplished using </a:t>
+            </a:r>
+            <a:r>
+              <a:rPr b="1" lang="en"/>
+              <a:t>Google’s Firebase</a:t>
+            </a:r>
+            <a:r>
+              <a:rPr lang="en"/>
+              <a:t>.</a:t>
+            </a:r>
+            <a:endParaRPr/>
+          </a:p>
+          <a:p>
+            <a:pPr indent="0" lvl="0" marL="0" rtl="0" algn="l">
+              <a:spcBef>
+                <a:spcPts val="1200"/>
+              </a:spcBef>
+              <a:spcAft>
+                <a:spcPts val="0"/>
+              </a:spcAft>
+              <a:buNone/>
+            </a:pPr>
+            <a:r>
+              <a:rPr b="1" lang="en"/>
+              <a:t>Feature Engineering</a:t>
+            </a:r>
+            <a:r>
+              <a:rPr lang="en"/>
+              <a:t> was used to make use and better sense of the data regarding wind/swell direction.</a:t>
+            </a:r>
+            <a:endParaRPr/>
+          </a:p>
+          <a:p>
+            <a:pPr indent="0" lvl="0" marL="0" rtl="0" algn="l">
+              <a:spcBef>
+                <a:spcPts val="1200"/>
+              </a:spcBef>
+              <a:spcAft>
+                <a:spcPts val="0"/>
+              </a:spcAft>
+              <a:buNone/>
+            </a:pPr>
+            <a:r>
+              <a:rPr i="1" lang="en"/>
+              <a:t>Compiling testing and training data</a:t>
+            </a:r>
+            <a:r>
+              <a:rPr lang="en"/>
+              <a:t>: </a:t>
+            </a:r>
+            <a:endParaRPr/>
+          </a:p>
+          <a:p>
+            <a:pPr indent="0" lvl="0" marL="457200" rtl="0" algn="l">
+              <a:spcBef>
+                <a:spcPts val="1200"/>
+              </a:spcBef>
+              <a:spcAft>
+                <a:spcPts val="1200"/>
+              </a:spcAft>
+              <a:buNone/>
+            </a:pPr>
+            <a:r>
+              <a:rPr lang="en"/>
+              <a:t>One set created from surforecast.com containing a </a:t>
+            </a:r>
+            <a:r>
+              <a:rPr b="1" lang="en" sz="1908"/>
+              <a:t>quality rating</a:t>
+            </a:r>
+            <a:r>
+              <a:rPr lang="en"/>
+              <a:t> (judged by a qualified surf reporter), the other set from the corresponding </a:t>
+            </a:r>
+            <a:r>
+              <a:rPr b="1" lang="en" sz="1908"/>
+              <a:t>raw surf data</a:t>
+            </a:r>
+            <a:r>
+              <a:rPr lang="en"/>
+              <a:t> (NOAA, Meo), lacking any human analysis or quality report.</a:t>
+            </a:r>
+            <a:endParaRPr/>
+          </a:p>
+        </p:txBody>
+      </p:sp>
+    </p:spTree>
+  </p:cSld>
+  <p:clrMapOvr>
+    <a:masterClrMapping/>
+  </p:clrMapOvr>
+</p:sld>
+</file>
+
+<file path=ppt/slides/slide7.xml><?xml version="1.0" encoding="utf-8"?>
+<p:sld xmlns:a="http://schemas.openxmlformats.org/drawingml/2006/main" xmlns:r="http://schemas.openxmlformats.org/officeDocument/2006/relationships" xmlns:mc="http://schemas.openxmlformats.org/markup-compatibility/2006" xmlns:mv="urn:schemas-microsoft-com:mac:vml" xmlns:p="http://schemas.openxmlformats.org/presentationml/2006/main" xmlns:c="http://schemas.openxmlformats.org/drawingml/2006/chart" xmlns:dgm="http://schemas.openxmlformats.org/drawingml/2006/diagram" xmlns:o="urn:schemas-microsoft-com:office:office" xmlns:v="urn:schemas-microsoft-com:vml" xmlns:pvml="urn:schemas-microsoft-com:office:powerpoint" xmlns:com="http://schemas.openxmlformats.org/drawingml/2006/compatibility" xmlns:p14="http://schemas.microsoft.com/office/powerpoint/2010/main" xmlns:p15="http://schemas.microsoft.com/office/powerpoint/2012/main" xmlns:ahyp="http://schemas.microsoft.com/office/drawing/2018/hyperlinkcolor">
+  <p:cSld>
+    <p:bg>
+      <p:bgPr>
+        <a:blipFill>
+          <a:blip r:embed="rId3">
+            <a:alphaModFix/>
+          </a:blip>
+          <a:stretch>
+            <a:fillRect/>
+          </a:stretch>
+        </a:blipFill>
+      </p:bgPr>
+    </p:bg>
+    <p:spTree>
+      <p:nvGrpSpPr>
+        <p:cNvPr id="93" name="Shape 93"/>
+        <p:cNvGrpSpPr/>
+        <p:nvPr/>
+      </p:nvGrpSpPr>
+      <p:grpSpPr>
+        <a:xfrm>
+          <a:off x="0" y="0"/>
+          <a:ext cx="0" cy="0"/>
+          <a:chOff x="0" y="0"/>
+          <a:chExt cx="0" cy="0"/>
+        </a:xfrm>
+      </p:grpSpPr>
+      <p:sp>
+        <p:nvSpPr>
+          <p:cNvPr id="94" name="Google Shape;94;p19"/>
+          <p:cNvSpPr txBox="1"/>
+          <p:nvPr>
+            <p:ph type="title"/>
+          </p:nvPr>
+        </p:nvSpPr>
+        <p:spPr>
+          <a:xfrm>
+            <a:off x="311700" y="445025"/>
+            <a:ext cx="223800" cy="202200"/>
+          </a:xfrm>
+          <a:prstGeom prst="rect">
+            <a:avLst/>
+          </a:prstGeom>
+        </p:spPr>
+        <p:txBody>
+          <a:bodyPr anchorCtr="0" anchor="t" bIns="91425" lIns="91425" spcFirstLastPara="1" rIns="91425" wrap="square" tIns="91425">
+            <a:normAutofit fontScale="90000"/>
+          </a:bodyPr>
+          <a:lstStyle/>
+          <a:p>
+            <a:pPr indent="0" lvl="0" marL="0" rtl="0" algn="l">
+              <a:spcBef>
+                <a:spcPts val="0"/>
+              </a:spcBef>
+              <a:spcAft>
+                <a:spcPts val="0"/>
+              </a:spcAft>
+              <a:buNone/>
+            </a:pPr>
+            <a:r>
+              <a:rPr lang="en"/>
+              <a:t> </a:t>
+            </a:r>
+            <a:endParaRPr/>
+          </a:p>
+        </p:txBody>
+      </p:sp>
+      <p:sp>
+        <p:nvSpPr>
+          <p:cNvPr id="95" name="Google Shape;95;p19"/>
+          <p:cNvSpPr txBox="1"/>
+          <p:nvPr>
+            <p:ph idx="1" type="body"/>
+          </p:nvPr>
+        </p:nvSpPr>
+        <p:spPr>
+          <a:xfrm>
+            <a:off x="311700" y="1152475"/>
+            <a:ext cx="380100" cy="420600"/>
+          </a:xfrm>
+          <a:prstGeom prst="rect">
+            <a:avLst/>
+          </a:prstGeom>
+        </p:spPr>
+        <p:txBody>
+          <a:bodyPr anchorCtr="0" anchor="t" bIns="91425" lIns="91425" spcFirstLastPara="1" rIns="91425" wrap="square" tIns="91425">
+            <a:normAutofit fontScale="85000"/>
+          </a:bodyPr>
+          <a:lstStyle/>
+          <a:p>
+            <a:pPr indent="0" lvl="0" marL="0" rtl="0" algn="l">
+              <a:spcBef>
+                <a:spcPts val="0"/>
+              </a:spcBef>
+              <a:spcAft>
+                <a:spcPts val="1200"/>
+              </a:spcAft>
+              <a:buNone/>
+            </a:pPr>
+            <a:r>
+              <a:rPr lang="en"/>
+              <a:t> </a:t>
+            </a:r>
+            <a:endParaRPr/>
+          </a:p>
+        </p:txBody>
+      </p:sp>
+      <p:pic>
+        <p:nvPicPr>
+          <p:cNvPr id="96" name="Google Shape;96;p19"/>
+          <p:cNvPicPr preferRelativeResize="0"/>
+          <p:nvPr/>
+        </p:nvPicPr>
+        <p:blipFill>
+          <a:blip r:embed="rId4">
+            <a:alphaModFix/>
+          </a:blip>
+          <a:stretch>
+            <a:fillRect/>
+          </a:stretch>
+        </p:blipFill>
+        <p:spPr>
+          <a:xfrm>
+            <a:off x="91725" y="85450"/>
+            <a:ext cx="4543425" cy="1838325"/>
+          </a:xfrm>
+          <a:prstGeom prst="rect">
+            <a:avLst/>
+          </a:prstGeom>
+          <a:noFill/>
+          <a:ln cap="flat" cmpd="sng" w="38100">
+            <a:solidFill>
+              <a:srgbClr val="C9DAF8"/>
+            </a:solidFill>
+            <a:prstDash val="solid"/>
+            <a:round/>
+            <a:headEnd len="sm" w="sm" type="none"/>
+            <a:tailEnd len="sm" w="sm" type="none"/>
+          </a:ln>
+        </p:spPr>
+      </p:pic>
+      <p:pic>
+        <p:nvPicPr>
+          <p:cNvPr id="97" name="Google Shape;97;p19"/>
+          <p:cNvPicPr preferRelativeResize="0"/>
+          <p:nvPr/>
+        </p:nvPicPr>
+        <p:blipFill>
+          <a:blip r:embed="rId5">
+            <a:alphaModFix/>
+          </a:blip>
+          <a:stretch>
+            <a:fillRect/>
+          </a:stretch>
+        </p:blipFill>
+        <p:spPr>
+          <a:xfrm>
+            <a:off x="333375" y="1979550"/>
+            <a:ext cx="4238625" cy="3067050"/>
+          </a:xfrm>
+          <a:prstGeom prst="rect">
+            <a:avLst/>
+          </a:prstGeom>
+          <a:noFill/>
+          <a:ln cap="flat" cmpd="sng" w="38100">
+            <a:solidFill>
+              <a:srgbClr val="C9DAF8"/>
+            </a:solidFill>
+            <a:prstDash val="solid"/>
+            <a:round/>
+            <a:headEnd len="sm" w="sm" type="none"/>
+            <a:tailEnd len="sm" w="sm" type="none"/>
+          </a:ln>
+        </p:spPr>
+      </p:pic>
+      <p:pic>
+        <p:nvPicPr>
+          <p:cNvPr id="98" name="Google Shape;98;p19"/>
+          <p:cNvPicPr preferRelativeResize="0"/>
+          <p:nvPr/>
+        </p:nvPicPr>
+        <p:blipFill>
+          <a:blip r:embed="rId6">
+            <a:alphaModFix/>
+          </a:blip>
+          <a:stretch>
+            <a:fillRect/>
+          </a:stretch>
+        </p:blipFill>
+        <p:spPr>
+          <a:xfrm>
+            <a:off x="4635150" y="85450"/>
+            <a:ext cx="4238625" cy="2256625"/>
+          </a:xfrm>
+          <a:prstGeom prst="rect">
+            <a:avLst/>
+          </a:prstGeom>
+          <a:noFill/>
+          <a:ln cap="flat" cmpd="sng" w="38100">
+            <a:solidFill>
+              <a:srgbClr val="C9DAF8"/>
+            </a:solidFill>
+            <a:prstDash val="solid"/>
+            <a:round/>
+            <a:headEnd len="sm" w="sm" type="none"/>
+            <a:tailEnd len="sm" w="sm" type="none"/>
+          </a:ln>
+        </p:spPr>
+      </p:pic>
+      <p:pic>
+        <p:nvPicPr>
+          <p:cNvPr id="99" name="Google Shape;99;p19"/>
+          <p:cNvPicPr preferRelativeResize="0"/>
+          <p:nvPr/>
+        </p:nvPicPr>
+        <p:blipFill>
+          <a:blip r:embed="rId7">
+            <a:alphaModFix/>
+          </a:blip>
+          <a:stretch>
+            <a:fillRect/>
+          </a:stretch>
+        </p:blipFill>
+        <p:spPr>
+          <a:xfrm>
+            <a:off x="4635150" y="3911875"/>
+            <a:ext cx="3926350" cy="1134725"/>
+          </a:xfrm>
+          <a:prstGeom prst="rect">
+            <a:avLst/>
+          </a:prstGeom>
+          <a:noFill/>
+          <a:ln cap="flat" cmpd="sng" w="38100">
+            <a:solidFill>
+              <a:srgbClr val="C9DAF8"/>
+            </a:solidFill>
+            <a:prstDash val="solid"/>
+            <a:round/>
+            <a:headEnd len="sm" w="sm" type="none"/>
+            <a:tailEnd len="sm" w="sm" type="none"/>
+          </a:ln>
+        </p:spPr>
+      </p:pic>
+      <p:pic>
+        <p:nvPicPr>
+          <p:cNvPr id="100" name="Google Shape;100;p19"/>
+          <p:cNvPicPr preferRelativeResize="0"/>
+          <p:nvPr/>
+        </p:nvPicPr>
+        <p:blipFill>
+          <a:blip r:embed="rId8">
+            <a:alphaModFix/>
+          </a:blip>
+          <a:stretch>
+            <a:fillRect/>
+          </a:stretch>
+        </p:blipFill>
+        <p:spPr>
+          <a:xfrm>
+            <a:off x="4635150" y="2403075"/>
+            <a:ext cx="4381500" cy="1447800"/>
+          </a:xfrm>
+          <a:prstGeom prst="rect">
+            <a:avLst/>
+          </a:prstGeom>
+          <a:noFill/>
+          <a:ln cap="flat" cmpd="sng" w="38100">
+            <a:solidFill>
+              <a:srgbClr val="C9DAF8"/>
+            </a:solidFill>
+            <a:prstDash val="solid"/>
+            <a:round/>
+            <a:headEnd len="sm" w="sm" type="none"/>
+            <a:tailEnd len="sm" w="sm" type="none"/>
+          </a:ln>
+        </p:spPr>
+      </p:pic>
+    </p:spTree>
+  </p:cSld>
+  <p:clrMapOvr>
+    <a:masterClrMapping/>
+  </p:clrMapOvr>
+</p:sld>
+</file>
+
+<file path=ppt/slides/slide8.xml><?xml version="1.0" encoding="utf-8"?>
+<p:sld xmlns:a="http://schemas.openxmlformats.org/drawingml/2006/main" xmlns:r="http://schemas.openxmlformats.org/officeDocument/2006/relationships" xmlns:mc="http://schemas.openxmlformats.org/markup-compatibility/2006" xmlns:mv="urn:schemas-microsoft-com:mac:vml" xmlns:p="http://schemas.openxmlformats.org/presentationml/2006/main" xmlns:c="http://schemas.openxmlformats.org/drawingml/2006/chart" xmlns:dgm="http://schemas.openxmlformats.org/drawingml/2006/diagram" xmlns:o="urn:schemas-microsoft-com:office:office" xmlns:v="urn:schemas-microsoft-com:vml" xmlns:pvml="urn:schemas-microsoft-com:office:powerpoint" xmlns:com="http://schemas.openxmlformats.org/drawingml/2006/compatibility" xmlns:p14="http://schemas.microsoft.com/office/powerpoint/2010/main" xmlns:p15="http://schemas.microsoft.com/office/powerpoint/2012/main" xmlns:ahyp="http://schemas.microsoft.com/office/drawing/2018/hyperlinkcolor">
+  <p:cSld>
+    <p:spTree>
+      <p:nvGrpSpPr>
+        <p:cNvPr id="104" name="Shape 104"/>
+        <p:cNvGrpSpPr/>
+        <p:nvPr/>
+      </p:nvGrpSpPr>
+      <p:grpSpPr>
+        <a:xfrm>
+          <a:off x="0" y="0"/>
+          <a:ext cx="0" cy="0"/>
+          <a:chOff x="0" y="0"/>
+          <a:chExt cx="0" cy="0"/>
+        </a:xfrm>
+      </p:grpSpPr>
+      <p:sp>
+        <p:nvSpPr>
+          <p:cNvPr id="105" name="Google Shape;105;p20"/>
+          <p:cNvSpPr txBox="1"/>
+          <p:nvPr>
+            <p:ph type="title"/>
+          </p:nvPr>
+        </p:nvSpPr>
+        <p:spPr>
+          <a:xfrm>
+            <a:off x="311700" y="445025"/>
+            <a:ext cx="8520600" cy="572700"/>
+          </a:xfrm>
+          <a:prstGeom prst="rect">
+            <a:avLst/>
+          </a:prstGeom>
+        </p:spPr>
+        <p:txBody>
+          <a:bodyPr anchorCtr="0" anchor="t" bIns="91425" lIns="91425" spcFirstLastPara="1" rIns="91425" wrap="square" tIns="91425">
+            <a:normAutofit fontScale="90000"/>
+          </a:bodyPr>
+          <a:lstStyle/>
+          <a:p>
+            <a:pPr indent="0" lvl="0" marL="0" rtl="0" algn="l">
+              <a:spcBef>
+                <a:spcPts val="0"/>
+              </a:spcBef>
+              <a:spcAft>
+                <a:spcPts val="0"/>
+              </a:spcAft>
+              <a:buNone/>
+            </a:pPr>
+            <a:r>
+              <a:rPr lang="en"/>
+              <a:t>Data and Methodology</a:t>
+            </a:r>
+            <a:endParaRPr/>
+          </a:p>
+        </p:txBody>
+      </p:sp>
+      <p:sp>
+        <p:nvSpPr>
+          <p:cNvPr id="106" name="Google Shape;106;p20"/>
           <p:cNvSpPr txBox="1"/>
           <p:nvPr>
             <p:ph idx="1" type="body"/>
@@ -8340,7 +10237,7 @@
                   <a:schemeClr val="dk1"/>
                 </a:solidFill>
               </a:rPr>
-              <a:t>Performance Metrics: </a:t>
+              <a:t>Time Frame: 26/11/24-30/11/24</a:t>
             </a:r>
             <a:endParaRPr>
               <a:solidFill>
@@ -8359,7 +10256,12 @@
               <a:buNone/>
             </a:pPr>
             <a:r>
-              <a:t/>
+              <a:rPr lang="en">
+                <a:solidFill>
+                  <a:schemeClr val="dk1"/>
+                </a:solidFill>
+              </a:rPr>
+              <a:t>Geographic Scope: </a:t>
             </a:r>
             <a:endParaRPr>
               <a:solidFill>
@@ -8378,7 +10280,12 @@
               <a:buNone/>
             </a:pPr>
             <a:r>
-              <a:t/>
+              <a:rPr lang="en">
+                <a:solidFill>
+                  <a:schemeClr val="dk1"/>
+                </a:solidFill>
+              </a:rPr>
+              <a:t>Sample Size: </a:t>
             </a:r>
             <a:endParaRPr>
               <a:solidFill>
@@ -8392,7 +10299,31 @@
                 <a:spcPts val="1200"/>
               </a:spcBef>
               <a:spcAft>
+                <a:spcPts val="0"/>
+              </a:spcAft>
+              <a:buNone/>
+            </a:pPr>
+            <a:r>
+              <a:rPr lang="en">
+                <a:solidFill>
+                  <a:schemeClr val="dk1"/>
+                </a:solidFill>
+              </a:rPr>
+              <a:t>Weather Data: </a:t>
+            </a:r>
+            <a:endParaRPr>
+              <a:solidFill>
+                <a:schemeClr val="dk1"/>
+              </a:solidFill>
+            </a:endParaRPr>
+          </a:p>
+          <a:p>
+            <a:pPr indent="0" lvl="0" marL="0" rtl="0" algn="l">
+              <a:spcBef>
                 <a:spcPts val="1200"/>
+              </a:spcBef>
+              <a:spcAft>
+                <a:spcPts val="0"/>
               </a:spcAft>
               <a:buNone/>
             </a:pPr>
@@ -8402,7 +10333,31 @@
                   <a:schemeClr val="dk1"/>
                 </a:solidFill>
               </a:rPr>
-              <a:t>Visualization of Results: </a:t>
+              <a:t>Preprocessing: </a:t>
+            </a:r>
+            <a:endParaRPr>
+              <a:solidFill>
+                <a:schemeClr val="dk1"/>
+              </a:solidFill>
+            </a:endParaRPr>
+          </a:p>
+          <a:p>
+            <a:pPr indent="0" lvl="0" marL="0" rtl="0" algn="l">
+              <a:spcBef>
+                <a:spcPts val="1200"/>
+              </a:spcBef>
+              <a:spcAft>
+                <a:spcPts val="1200"/>
+              </a:spcAft>
+              <a:buNone/>
+            </a:pPr>
+            <a:r>
+              <a:rPr lang="en">
+                <a:solidFill>
+                  <a:schemeClr val="dk1"/>
+                </a:solidFill>
+              </a:rPr>
+              <a:t>Model Used: sklearn, *add why* </a:t>
             </a:r>
             <a:endParaRPr>
               <a:solidFill>
@@ -8420,12 +10375,12 @@
 </p:sld>
 </file>
 
-<file path=ppt/slides/slide7.xml><?xml version="1.0" encoding="utf-8"?>
+<file path=ppt/slides/slide9.xml><?xml version="1.0" encoding="utf-8"?>
 <p:sld xmlns:a="http://schemas.openxmlformats.org/drawingml/2006/main" xmlns:r="http://schemas.openxmlformats.org/officeDocument/2006/relationships" xmlns:mc="http://schemas.openxmlformats.org/markup-compatibility/2006" xmlns:mv="urn:schemas-microsoft-com:mac:vml" xmlns:p="http://schemas.openxmlformats.org/presentationml/2006/main" xmlns:c="http://schemas.openxmlformats.org/drawingml/2006/chart" xmlns:dgm="http://schemas.openxmlformats.org/drawingml/2006/diagram" xmlns:o="urn:schemas-microsoft-com:office:office" xmlns:v="urn:schemas-microsoft-com:vml" xmlns:pvml="urn:schemas-microsoft-com:office:powerpoint" xmlns:com="http://schemas.openxmlformats.org/drawingml/2006/compatibility" xmlns:p14="http://schemas.microsoft.com/office/powerpoint/2010/main" xmlns:p15="http://schemas.microsoft.com/office/powerpoint/2012/main" xmlns:ahyp="http://schemas.microsoft.com/office/drawing/2018/hyperlinkcolor">
   <p:cSld>
     <p:spTree>
       <p:nvGrpSpPr>
-        <p:cNvPr id="93" name="Shape 93"/>
+        <p:cNvPr id="110" name="Shape 110"/>
         <p:cNvGrpSpPr/>
         <p:nvPr/>
       </p:nvGrpSpPr>
@@ -8439,7 +10394,7 @@
       </p:grpSpPr>
       <p:sp>
         <p:nvSpPr>
-          <p:cNvPr id="94" name="Google Shape;94;p19"/>
+          <p:cNvPr id="111" name="Google Shape;111;p21"/>
           <p:cNvSpPr txBox="1"/>
           <p:nvPr>
             <p:ph type="title"/>
@@ -8471,7 +10426,7 @@
             </a:pPr>
             <a:r>
               <a:rPr lang="en"/>
-              <a:t>Discussion</a:t>
+              <a:t>Experimental Results</a:t>
             </a:r>
             <a:endParaRPr/>
           </a:p>
@@ -8479,7 +10434,7 @@
       </p:sp>
       <p:sp>
         <p:nvSpPr>
-          <p:cNvPr id="95" name="Google Shape;95;p19"/>
+          <p:cNvPr id="112" name="Google Shape;112;p21"/>
           <p:cNvSpPr txBox="1"/>
           <p:nvPr>
             <p:ph idx="1" type="body"/>
@@ -8520,7 +10475,7 @@
                   <a:schemeClr val="dk1"/>
                 </a:solidFill>
               </a:rPr>
-              <a:t>Interpretation: </a:t>
+              <a:t>Performance Metrics: </a:t>
             </a:r>
             <a:endParaRPr>
               <a:solidFill>
@@ -8558,12 +10513,7 @@
               <a:buNone/>
             </a:pPr>
             <a:r>
-              <a:rPr lang="en">
-                <a:solidFill>
-                  <a:schemeClr val="dk1"/>
-                </a:solidFill>
-              </a:rPr>
-              <a:t>Challenges: </a:t>
+              <a:t/>
             </a:r>
             <a:endParaRPr>
               <a:solidFill>
@@ -8577,657 +10527,17 @@
                 <a:spcPts val="1200"/>
               </a:spcBef>
               <a:spcAft>
-                <a:spcPts val="0"/>
+                <a:spcPts val="1200"/>
               </a:spcAft>
               <a:buNone/>
             </a:pPr>
             <a:r>
-              <a:t/>
-            </a:r>
-            <a:endParaRPr>
-              <a:solidFill>
-                <a:schemeClr val="dk1"/>
-              </a:solidFill>
-            </a:endParaRPr>
-          </a:p>
-          <a:p>
-            <a:pPr indent="0" lvl="0" marL="0" rtl="0" algn="l">
-              <a:spcBef>
-                <a:spcPts val="1200"/>
-              </a:spcBef>
-              <a:spcAft>
-                <a:spcPts val="1200"/>
-              </a:spcAft>
-              <a:buNone/>
-            </a:pPr>
-            <a:r>
-              <a:t/>
-            </a:r>
-            <a:endParaRPr>
-              <a:solidFill>
-                <a:schemeClr val="dk1"/>
-              </a:solidFill>
-            </a:endParaRPr>
-          </a:p>
-        </p:txBody>
-      </p:sp>
-    </p:spTree>
-  </p:cSld>
-  <p:clrMapOvr>
-    <a:masterClrMapping/>
-  </p:clrMapOvr>
-</p:sld>
-</file>
-
-<file path=ppt/slides/slide8.xml><?xml version="1.0" encoding="utf-8"?>
-<p:sld xmlns:a="http://schemas.openxmlformats.org/drawingml/2006/main" xmlns:r="http://schemas.openxmlformats.org/officeDocument/2006/relationships" xmlns:mc="http://schemas.openxmlformats.org/markup-compatibility/2006" xmlns:mv="urn:schemas-microsoft-com:mac:vml" xmlns:p="http://schemas.openxmlformats.org/presentationml/2006/main" xmlns:c="http://schemas.openxmlformats.org/drawingml/2006/chart" xmlns:dgm="http://schemas.openxmlformats.org/drawingml/2006/diagram" xmlns:o="urn:schemas-microsoft-com:office:office" xmlns:v="urn:schemas-microsoft-com:vml" xmlns:pvml="urn:schemas-microsoft-com:office:powerpoint" xmlns:com="http://schemas.openxmlformats.org/drawingml/2006/compatibility" xmlns:p14="http://schemas.microsoft.com/office/powerpoint/2010/main" xmlns:p15="http://schemas.microsoft.com/office/powerpoint/2012/main" xmlns:ahyp="http://schemas.microsoft.com/office/drawing/2018/hyperlinkcolor">
-  <p:cSld>
-    <p:spTree>
-      <p:nvGrpSpPr>
-        <p:cNvPr id="99" name="Shape 99"/>
-        <p:cNvGrpSpPr/>
-        <p:nvPr/>
-      </p:nvGrpSpPr>
-      <p:grpSpPr>
-        <a:xfrm>
-          <a:off x="0" y="0"/>
-          <a:ext cx="0" cy="0"/>
-          <a:chOff x="0" y="0"/>
-          <a:chExt cx="0" cy="0"/>
-        </a:xfrm>
-      </p:grpSpPr>
-      <p:sp>
-        <p:nvSpPr>
-          <p:cNvPr id="100" name="Google Shape;100;p20"/>
-          <p:cNvSpPr txBox="1"/>
-          <p:nvPr>
-            <p:ph type="title"/>
-          </p:nvPr>
-        </p:nvSpPr>
-        <p:spPr>
-          <a:xfrm>
-            <a:off x="311700" y="445025"/>
-            <a:ext cx="8520600" cy="572700"/>
-          </a:xfrm>
-          <a:prstGeom prst="rect">
-            <a:avLst/>
-          </a:prstGeom>
-        </p:spPr>
-        <p:txBody>
-          <a:bodyPr anchorCtr="0" anchor="t" bIns="91425" lIns="91425" spcFirstLastPara="1" rIns="91425" wrap="square" tIns="91425">
-            <a:normAutofit fontScale="90000"/>
-          </a:bodyPr>
-          <a:lstStyle/>
-          <a:p>
-            <a:pPr indent="0" lvl="0" marL="0" rtl="0" algn="l">
-              <a:spcBef>
-                <a:spcPts val="0"/>
-              </a:spcBef>
-              <a:spcAft>
-                <a:spcPts val="0"/>
-              </a:spcAft>
-              <a:buNone/>
-            </a:pPr>
-            <a:r>
-              <a:rPr lang="en"/>
-              <a:t>Conclusion</a:t>
-            </a:r>
-            <a:endParaRPr/>
-          </a:p>
-        </p:txBody>
-      </p:sp>
-      <p:sp>
-        <p:nvSpPr>
-          <p:cNvPr id="101" name="Google Shape;101;p20"/>
-          <p:cNvSpPr txBox="1"/>
-          <p:nvPr>
-            <p:ph idx="1" type="body"/>
-          </p:nvPr>
-        </p:nvSpPr>
-        <p:spPr>
-          <a:xfrm>
-            <a:off x="311700" y="1152475"/>
-            <a:ext cx="8520600" cy="3416400"/>
-          </a:xfrm>
-          <a:prstGeom prst="rect">
-            <a:avLst/>
-          </a:prstGeom>
-          <a:solidFill>
-            <a:srgbClr val="FFFFFF">
-              <a:alpha val="43040"/>
-            </a:srgbClr>
-          </a:solidFill>
-        </p:spPr>
-        <p:txBody>
-          <a:bodyPr anchorCtr="0" anchor="t" bIns="91425" lIns="91425" spcFirstLastPara="1" rIns="91425" wrap="square" tIns="91425">
-            <a:normAutofit/>
-          </a:bodyPr>
-          <a:lstStyle/>
-          <a:p>
-            <a:pPr indent="0" lvl="0" marL="0" rtl="0" algn="l">
-              <a:spcBef>
-                <a:spcPts val="0"/>
-              </a:spcBef>
-              <a:spcAft>
-                <a:spcPts val="0"/>
-              </a:spcAft>
-              <a:buNone/>
-            </a:pPr>
-            <a:r>
               <a:rPr lang="en">
                 <a:solidFill>
                   <a:schemeClr val="dk1"/>
                 </a:solidFill>
               </a:rPr>
-              <a:t> Summary and Reflection: </a:t>
-            </a:r>
-            <a:endParaRPr>
-              <a:solidFill>
-                <a:schemeClr val="dk1"/>
-              </a:solidFill>
-            </a:endParaRPr>
-          </a:p>
-          <a:p>
-            <a:pPr indent="0" lvl="0" marL="0" rtl="0" algn="l">
-              <a:spcBef>
-                <a:spcPts val="1200"/>
-              </a:spcBef>
-              <a:spcAft>
-                <a:spcPts val="0"/>
-              </a:spcAft>
-              <a:buNone/>
-            </a:pPr>
-            <a:r>
-              <a:t/>
-            </a:r>
-            <a:endParaRPr>
-              <a:solidFill>
-                <a:schemeClr val="dk1"/>
-              </a:solidFill>
-            </a:endParaRPr>
-          </a:p>
-          <a:p>
-            <a:pPr indent="0" lvl="0" marL="0" rtl="0" algn="l">
-              <a:spcBef>
-                <a:spcPts val="1200"/>
-              </a:spcBef>
-              <a:spcAft>
-                <a:spcPts val="1200"/>
-              </a:spcAft>
-              <a:buNone/>
-            </a:pPr>
-            <a:r>
-              <a:rPr lang="en">
-                <a:solidFill>
-                  <a:schemeClr val="dk1"/>
-                </a:solidFill>
-              </a:rPr>
-              <a:t>This project could support tourism-related businesses. By integrating safety-related data pertaining to wave height or rip current forecasts, this system could contribute to reduce risks for swimmers and surfers. This model could also be applied to activities beyond surfing. This data could lead to other environmental prediction algorithms, like flood or wildfire analysis. </a:t>
-            </a:r>
-            <a:endParaRPr>
-              <a:solidFill>
-                <a:schemeClr val="dk1"/>
-              </a:solidFill>
-            </a:endParaRPr>
-          </a:p>
-        </p:txBody>
-      </p:sp>
-    </p:spTree>
-  </p:cSld>
-  <p:clrMapOvr>
-    <a:masterClrMapping/>
-  </p:clrMapOvr>
-</p:sld>
-</file>
-
-<file path=ppt/slides/slide9.xml><?xml version="1.0" encoding="utf-8"?>
-<p:sld xmlns:a="http://schemas.openxmlformats.org/drawingml/2006/main" xmlns:r="http://schemas.openxmlformats.org/officeDocument/2006/relationships" xmlns:mc="http://schemas.openxmlformats.org/markup-compatibility/2006" xmlns:mv="urn:schemas-microsoft-com:mac:vml" xmlns:p="http://schemas.openxmlformats.org/presentationml/2006/main" xmlns:c="http://schemas.openxmlformats.org/drawingml/2006/chart" xmlns:dgm="http://schemas.openxmlformats.org/drawingml/2006/diagram" xmlns:o="urn:schemas-microsoft-com:office:office" xmlns:v="urn:schemas-microsoft-com:vml" xmlns:pvml="urn:schemas-microsoft-com:office:powerpoint" xmlns:com="http://schemas.openxmlformats.org/drawingml/2006/compatibility" xmlns:p14="http://schemas.microsoft.com/office/powerpoint/2010/main" xmlns:p15="http://schemas.microsoft.com/office/powerpoint/2012/main" xmlns:ahyp="http://schemas.microsoft.com/office/drawing/2018/hyperlinkcolor">
-  <p:cSld>
-    <p:spTree>
-      <p:nvGrpSpPr>
-        <p:cNvPr id="105" name="Shape 105"/>
-        <p:cNvGrpSpPr/>
-        <p:nvPr/>
-      </p:nvGrpSpPr>
-      <p:grpSpPr>
-        <a:xfrm>
-          <a:off x="0" y="0"/>
-          <a:ext cx="0" cy="0"/>
-          <a:chOff x="0" y="0"/>
-          <a:chExt cx="0" cy="0"/>
-        </a:xfrm>
-      </p:grpSpPr>
-      <p:sp>
-        <p:nvSpPr>
-          <p:cNvPr id="106" name="Google Shape;106;p21"/>
-          <p:cNvSpPr txBox="1"/>
-          <p:nvPr>
-            <p:ph type="title"/>
-          </p:nvPr>
-        </p:nvSpPr>
-        <p:spPr>
-          <a:xfrm>
-            <a:off x="311700" y="445025"/>
-            <a:ext cx="8520600" cy="572700"/>
-          </a:xfrm>
-          <a:prstGeom prst="rect">
-            <a:avLst/>
-          </a:prstGeom>
-        </p:spPr>
-        <p:txBody>
-          <a:bodyPr anchorCtr="0" anchor="t" bIns="91425" lIns="91425" spcFirstLastPara="1" rIns="91425" wrap="square" tIns="91425">
-            <a:normAutofit fontScale="90000"/>
-          </a:bodyPr>
-          <a:lstStyle/>
-          <a:p>
-            <a:pPr indent="0" lvl="0" marL="0" rtl="0" algn="l">
-              <a:spcBef>
-                <a:spcPts val="0"/>
-              </a:spcBef>
-              <a:spcAft>
-                <a:spcPts val="0"/>
-              </a:spcAft>
-              <a:buNone/>
-            </a:pPr>
-            <a:r>
-              <a:rPr lang="en"/>
-              <a:t>Appendices</a:t>
-            </a:r>
-            <a:endParaRPr/>
-          </a:p>
-        </p:txBody>
-      </p:sp>
-      <p:sp>
-        <p:nvSpPr>
-          <p:cNvPr id="107" name="Google Shape;107;p21"/>
-          <p:cNvSpPr txBox="1"/>
-          <p:nvPr>
-            <p:ph idx="1" type="body"/>
-          </p:nvPr>
-        </p:nvSpPr>
-        <p:spPr>
-          <a:xfrm>
-            <a:off x="311700" y="1152475"/>
-            <a:ext cx="8520600" cy="3416400"/>
-          </a:xfrm>
-          <a:prstGeom prst="rect">
-            <a:avLst/>
-          </a:prstGeom>
-          <a:solidFill>
-            <a:srgbClr val="FFFFFF">
-              <a:alpha val="43040"/>
-            </a:srgbClr>
-          </a:solidFill>
-        </p:spPr>
-        <p:txBody>
-          <a:bodyPr anchorCtr="0" anchor="t" bIns="91425" lIns="91425" spcFirstLastPara="1" rIns="91425" wrap="square" tIns="91425">
-            <a:normAutofit fontScale="25000" lnSpcReduction="20000"/>
-          </a:bodyPr>
-          <a:lstStyle/>
-          <a:p>
-            <a:pPr indent="0" lvl="0" marL="0" rtl="0" algn="l">
-              <a:spcBef>
-                <a:spcPts val="0"/>
-              </a:spcBef>
-              <a:spcAft>
-                <a:spcPts val="0"/>
-              </a:spcAft>
-              <a:buNone/>
-            </a:pPr>
-            <a:r>
-              <a:rPr lang="en" sz="4800">
-                <a:solidFill>
-                  <a:schemeClr val="dk1"/>
-                </a:solidFill>
-              </a:rPr>
-              <a:t>Glossary:  </a:t>
-            </a:r>
-            <a:endParaRPr sz="4800">
-              <a:solidFill>
-                <a:schemeClr val="dk1"/>
-              </a:solidFill>
-            </a:endParaRPr>
-          </a:p>
-          <a:p>
-            <a:pPr indent="0" lvl="0" marL="0" rtl="0" algn="l">
-              <a:spcBef>
-                <a:spcPts val="1200"/>
-              </a:spcBef>
-              <a:spcAft>
-                <a:spcPts val="0"/>
-              </a:spcAft>
-              <a:buNone/>
-            </a:pPr>
-            <a:r>
-              <a:t/>
-            </a:r>
-            <a:endParaRPr sz="4800">
-              <a:solidFill>
-                <a:schemeClr val="dk1"/>
-              </a:solidFill>
-            </a:endParaRPr>
-          </a:p>
-          <a:p>
-            <a:pPr indent="0" lvl="0" marL="0" rtl="0" algn="l">
-              <a:spcBef>
-                <a:spcPts val="1200"/>
-              </a:spcBef>
-              <a:spcAft>
-                <a:spcPts val="0"/>
-              </a:spcAft>
-              <a:buNone/>
-            </a:pPr>
-            <a:r>
-              <a:t/>
-            </a:r>
-            <a:endParaRPr sz="4800">
-              <a:solidFill>
-                <a:schemeClr val="dk1"/>
-              </a:solidFill>
-            </a:endParaRPr>
-          </a:p>
-          <a:p>
-            <a:pPr indent="0" lvl="0" marL="0" rtl="0" algn="l">
-              <a:spcBef>
-                <a:spcPts val="1200"/>
-              </a:spcBef>
-              <a:spcAft>
-                <a:spcPts val="0"/>
-              </a:spcAft>
-              <a:buNone/>
-            </a:pPr>
-            <a:r>
-              <a:t/>
-            </a:r>
-            <a:endParaRPr sz="4800">
-              <a:solidFill>
-                <a:schemeClr val="dk1"/>
-              </a:solidFill>
-            </a:endParaRPr>
-          </a:p>
-          <a:p>
-            <a:pPr indent="0" lvl="0" marL="0" rtl="0" algn="l">
-              <a:spcBef>
-                <a:spcPts val="1200"/>
-              </a:spcBef>
-              <a:spcAft>
-                <a:spcPts val="0"/>
-              </a:spcAft>
-              <a:buNone/>
-            </a:pPr>
-            <a:r>
-              <a:rPr lang="en" sz="7200">
-                <a:solidFill>
-                  <a:schemeClr val="dk1"/>
-                </a:solidFill>
-              </a:rPr>
-              <a:t>Code Snippet</a:t>
-            </a:r>
-            <a:r>
-              <a:rPr lang="en" sz="4800">
-                <a:solidFill>
-                  <a:schemeClr val="dk1"/>
-                </a:solidFill>
-              </a:rPr>
-              <a:t>: import pandas as pd</a:t>
-            </a:r>
-            <a:endParaRPr sz="4800">
-              <a:solidFill>
-                <a:schemeClr val="dk1"/>
-              </a:solidFill>
-            </a:endParaRPr>
-          </a:p>
-          <a:p>
-            <a:pPr indent="0" lvl="0" marL="0" rtl="0" algn="l">
-              <a:spcBef>
-                <a:spcPts val="1200"/>
-              </a:spcBef>
-              <a:spcAft>
-                <a:spcPts val="0"/>
-              </a:spcAft>
-              <a:buClr>
-                <a:schemeClr val="dk1"/>
-              </a:buClr>
-              <a:buSzPts val="275"/>
-              <a:buFont typeface="Arial"/>
-              <a:buNone/>
-            </a:pPr>
-            <a:r>
-              <a:rPr lang="en" sz="4800">
-                <a:solidFill>
-                  <a:schemeClr val="dk1"/>
-                </a:solidFill>
-              </a:rPr>
-              <a:t># First, we need to remove all of the </a:t>
-            </a:r>
-            <a:r>
-              <a:rPr lang="en" sz="4800">
-                <a:solidFill>
-                  <a:schemeClr val="dk1"/>
-                </a:solidFill>
-              </a:rPr>
-              <a:t>unnecessary</a:t>
-            </a:r>
-            <a:r>
-              <a:rPr lang="en" sz="4800">
-                <a:solidFill>
-                  <a:schemeClr val="dk1"/>
-                </a:solidFill>
-              </a:rPr>
-              <a:t> features, since i picked all beach breaks on the pacific west coast, we are treating</a:t>
-            </a:r>
-            <a:endParaRPr sz="4800">
-              <a:solidFill>
-                <a:schemeClr val="dk1"/>
-              </a:solidFill>
-            </a:endParaRPr>
-          </a:p>
-          <a:p>
-            <a:pPr indent="0" lvl="0" marL="0" rtl="0" algn="l">
-              <a:spcBef>
-                <a:spcPts val="1200"/>
-              </a:spcBef>
-              <a:spcAft>
-                <a:spcPts val="0"/>
-              </a:spcAft>
-              <a:buClr>
-                <a:schemeClr val="dk1"/>
-              </a:buClr>
-              <a:buSzPts val="275"/>
-              <a:buFont typeface="Arial"/>
-              <a:buNone/>
-            </a:pPr>
-            <a:r>
-              <a:rPr lang="en" sz="4800">
-                <a:solidFill>
-                  <a:schemeClr val="dk1"/>
-                </a:solidFill>
-              </a:rPr>
-              <a:t># this as one surf break, no need to include </a:t>
-            </a:r>
-            <a:r>
-              <a:rPr lang="en" sz="4800">
-                <a:solidFill>
-                  <a:schemeClr val="dk1"/>
-                </a:solidFill>
-              </a:rPr>
-              <a:t>directions</a:t>
-            </a:r>
-            <a:r>
-              <a:rPr lang="en" sz="4800">
-                <a:solidFill>
-                  <a:schemeClr val="dk1"/>
-                </a:solidFill>
-              </a:rPr>
-              <a:t> relative to the shore line nor location/date/times.</a:t>
-            </a:r>
-            <a:endParaRPr sz="4800">
-              <a:solidFill>
-                <a:schemeClr val="dk1"/>
-              </a:solidFill>
-            </a:endParaRPr>
-          </a:p>
-          <a:p>
-            <a:pPr indent="0" lvl="0" marL="0" rtl="0" algn="l">
-              <a:spcBef>
-                <a:spcPts val="1200"/>
-              </a:spcBef>
-              <a:spcAft>
-                <a:spcPts val="0"/>
-              </a:spcAft>
-              <a:buClr>
-                <a:schemeClr val="dk1"/>
-              </a:buClr>
-              <a:buSzPts val="275"/>
-              <a:buFont typeface="Arial"/>
-              <a:buNone/>
-            </a:pPr>
-            <a:r>
-              <a:rPr lang="en" sz="4800">
-                <a:solidFill>
-                  <a:schemeClr val="dk1"/>
-                </a:solidFill>
-              </a:rPr>
-              <a:t># Load the dataset</a:t>
-            </a:r>
-            <a:endParaRPr sz="4800">
-              <a:solidFill>
-                <a:schemeClr val="dk1"/>
-              </a:solidFill>
-            </a:endParaRPr>
-          </a:p>
-          <a:p>
-            <a:pPr indent="0" lvl="0" marL="0" rtl="0" algn="l">
-              <a:spcBef>
-                <a:spcPts val="1200"/>
-              </a:spcBef>
-              <a:spcAft>
-                <a:spcPts val="0"/>
-              </a:spcAft>
-              <a:buClr>
-                <a:schemeClr val="dk1"/>
-              </a:buClr>
-              <a:buSzPts val="275"/>
-              <a:buFont typeface="Arial"/>
-              <a:buNone/>
-            </a:pPr>
-            <a:r>
-              <a:rPr lang="en" sz="4800">
-                <a:solidFill>
-                  <a:schemeClr val="dk1"/>
-                </a:solidFill>
-              </a:rPr>
-              <a:t>file_path = 'waves_fileV4b.csv'</a:t>
-            </a:r>
-            <a:endParaRPr sz="4800">
-              <a:solidFill>
-                <a:schemeClr val="dk1"/>
-              </a:solidFill>
-            </a:endParaRPr>
-          </a:p>
-          <a:p>
-            <a:pPr indent="0" lvl="0" marL="0" rtl="0" algn="l">
-              <a:spcBef>
-                <a:spcPts val="1200"/>
-              </a:spcBef>
-              <a:spcAft>
-                <a:spcPts val="0"/>
-              </a:spcAft>
-              <a:buNone/>
-            </a:pPr>
-            <a:r>
-              <a:rPr lang="en" sz="4800">
-                <a:solidFill>
-                  <a:schemeClr val="dk1"/>
-                </a:solidFill>
-              </a:rPr>
-              <a:t>data = pd.read_csv(file_path)</a:t>
-            </a:r>
-            <a:endParaRPr sz="4800">
-              <a:solidFill>
-                <a:schemeClr val="dk1"/>
-              </a:solidFill>
-            </a:endParaRPr>
-          </a:p>
-          <a:p>
-            <a:pPr indent="0" lvl="0" marL="0" rtl="0" algn="l">
-              <a:spcBef>
-                <a:spcPts val="1200"/>
-              </a:spcBef>
-              <a:spcAft>
-                <a:spcPts val="0"/>
-              </a:spcAft>
-              <a:buNone/>
-            </a:pPr>
-            <a:r>
-              <a:t/>
-            </a:r>
-            <a:endParaRPr sz="4845">
-              <a:solidFill>
-                <a:schemeClr val="dk1"/>
-              </a:solidFill>
-            </a:endParaRPr>
-          </a:p>
-          <a:p>
-            <a:pPr indent="0" lvl="0" marL="0" rtl="0" algn="l">
-              <a:spcBef>
-                <a:spcPts val="1200"/>
-              </a:spcBef>
-              <a:spcAft>
-                <a:spcPts val="0"/>
-              </a:spcAft>
-              <a:buClr>
-                <a:schemeClr val="dk1"/>
-              </a:buClr>
-              <a:buSzPct val="88338"/>
-              <a:buFont typeface="Arial"/>
-              <a:buNone/>
-            </a:pPr>
-            <a:r>
-              <a:t/>
-            </a:r>
-            <a:endParaRPr sz="1245">
-              <a:solidFill>
-                <a:schemeClr val="dk1"/>
-              </a:solidFill>
-            </a:endParaRPr>
-          </a:p>
-          <a:p>
-            <a:pPr indent="0" lvl="0" marL="0" rtl="0" algn="l">
-              <a:spcBef>
-                <a:spcPts val="1200"/>
-              </a:spcBef>
-              <a:spcAft>
-                <a:spcPts val="0"/>
-              </a:spcAft>
-              <a:buClr>
-                <a:schemeClr val="dk1"/>
-              </a:buClr>
-              <a:buSzPct val="61111"/>
-              <a:buFont typeface="Arial"/>
-              <a:buNone/>
-            </a:pPr>
-            <a:r>
-              <a:t/>
-            </a:r>
-            <a:endParaRPr>
-              <a:solidFill>
-                <a:schemeClr val="dk1"/>
-              </a:solidFill>
-            </a:endParaRPr>
-          </a:p>
-          <a:p>
-            <a:pPr indent="0" lvl="0" marL="0" rtl="0" algn="l">
-              <a:spcBef>
-                <a:spcPts val="1200"/>
-              </a:spcBef>
-              <a:spcAft>
-                <a:spcPts val="1200"/>
-              </a:spcAft>
-              <a:buNone/>
-            </a:pPr>
-            <a:r>
-              <a:t/>
+              <a:t>Visualization of Results: </a:t>
             </a:r>
             <a:endParaRPr>
               <a:solidFill>

--- a/OpenSurf.pptx
+++ b/OpenSurf.pptx
@@ -145,7 +145,7 @@
         <p:txBody>
           <a:bodyPr/>
           <a:p>
-            <a:fld id="{55553251-B260-4A44-9238-44CCFF347182}" type="slidenum">
+            <a:fld id="{B249CC64-3CA5-4A8E-ACA3-F0FAECF7C0F5}" type="slidenum">
               <a:t>&lt;#&gt;</a:t>
             </a:fld>
           </a:p>
@@ -187,7 +187,7 @@
         <p:txBody>
           <a:bodyPr/>
           <a:p>
-            <a:fld id="{DEA96416-7E2A-4004-9265-6E31B4B27C59}" type="slidenum">
+            <a:fld id="{7F119DFC-6F6D-4BA1-A405-C82D8DB4F6D1}" type="slidenum">
               <a:t>&lt;#&gt;</a:t>
             </a:fld>
           </a:p>
@@ -229,7 +229,7 @@
         <p:txBody>
           <a:bodyPr/>
           <a:p>
-            <a:fld id="{C5DE9008-1F7C-4A56-B050-F5B33945207A}" type="slidenum">
+            <a:fld id="{5A714972-6217-4286-8D99-1FCF02A51AFD}" type="slidenum">
               <a:t>&lt;#&gt;</a:t>
             </a:fld>
           </a:p>
@@ -271,7 +271,7 @@
         <p:txBody>
           <a:bodyPr/>
           <a:p>
-            <a:fld id="{9E68906F-8074-4A07-9855-9680BD6F04E8}" type="slidenum">
+            <a:fld id="{D103045F-374E-42BD-BA6B-B06D2496506C}" type="slidenum">
               <a:t>&lt;#&gt;</a:t>
             </a:fld>
           </a:p>
@@ -313,7 +313,7 @@
         <p:txBody>
           <a:bodyPr/>
           <a:p>
-            <a:fld id="{2CA2340F-E80C-4B0D-A307-9ECCDB9B13A9}" type="slidenum">
+            <a:fld id="{474E71D4-313C-4D37-B4F5-533C8204C47A}" type="slidenum">
               <a:t>&lt;#&gt;</a:t>
             </a:fld>
           </a:p>
@@ -355,7 +355,7 @@
         <p:txBody>
           <a:bodyPr/>
           <a:p>
-            <a:fld id="{35F28F1A-FD09-471B-8398-8BB58966F657}" type="slidenum">
+            <a:fld id="{E68E29E2-2A93-4AA5-B65D-81097E530FA1}" type="slidenum">
               <a:t>&lt;#&gt;</a:t>
             </a:fld>
           </a:p>
@@ -480,7 +480,7 @@
         <p:txBody>
           <a:bodyPr/>
           <a:p>
-            <a:fld id="{A390CE94-6AF8-4244-9CE1-9F2CBECFAC1E}" type="slidenum">
+            <a:fld id="{A96DC409-EC0B-4FCF-AF34-9C48132ED270}" type="slidenum">
               <a:t>&lt;#&gt;</a:t>
             </a:fld>
           </a:p>
@@ -648,7 +648,7 @@
         <p:txBody>
           <a:bodyPr/>
           <a:p>
-            <a:fld id="{52BB18DF-B260-4717-A615-2D792204D20C}" type="slidenum">
+            <a:fld id="{D1CD3186-23B6-45B0-B982-85F6282205DA}" type="slidenum">
               <a:t>&lt;#&gt;</a:t>
             </a:fld>
           </a:p>
@@ -730,7 +730,7 @@
         <p:txBody>
           <a:bodyPr/>
           <a:p>
-            <a:fld id="{4C1C7082-2C00-4C64-8C88-47AE289D48DC}" type="slidenum">
+            <a:fld id="{7E06E97E-F678-43DB-85AE-025D67C24870}" type="slidenum">
               <a:t>&lt;#&gt;</a:t>
             </a:fld>
           </a:p>
@@ -772,7 +772,7 @@
         <p:txBody>
           <a:bodyPr/>
           <a:p>
-            <a:fld id="{60055043-D2B9-4DB4-9CC6-932C8693513A}" type="slidenum">
+            <a:fld id="{2AE0BF89-1DD0-4B68-A006-54CD07D22821}" type="slidenum">
               <a:t>&lt;#&gt;</a:t>
             </a:fld>
           </a:p>
@@ -814,7 +814,7 @@
         <p:txBody>
           <a:bodyPr/>
           <a:p>
-            <a:fld id="{80508CDC-A66D-4CA0-A1F3-FD713DBB2B49}" type="slidenum">
+            <a:fld id="{9AC92A96-583D-493F-8064-0AC1EF9ED5A0}" type="slidenum">
               <a:t>&lt;#&gt;</a:t>
             </a:fld>
           </a:p>
@@ -887,16 +887,7 @@
                 </a:solidFill>
                 <a:latin typeface="Arial"/>
               </a:rPr>
-              <a:t>Click to edit the title text </a:t>
-            </a:r>
-            <a:r>
-              <a:rPr b="0" lang="en-US" sz="5200" spc="-1" strike="noStrike">
-                <a:solidFill>
-                  <a:srgbClr val="000000"/>
-                </a:solidFill>
-                <a:latin typeface="Arial"/>
-              </a:rPr>
-              <a:t>format</a:t>
+              <a:t>Click to edit the title text format</a:t>
             </a:r>
             <a:endParaRPr b="0" lang="en-US" sz="5200" spc="-1" strike="noStrike">
               <a:solidFill>
@@ -962,7 +953,7 @@
                 <a:tab algn="l" pos="0"/>
               </a:tabLst>
             </a:pPr>
-            <a:fld id="{4E48269F-06AA-41A2-9EC0-47E368A6BD39}" type="slidenum">
+            <a:fld id="{B7DA47FD-5A86-486E-B84B-5424F691982E}" type="slidenum">
               <a:rPr b="0" lang="en" sz="1000" spc="-1" strike="noStrike">
                 <a:solidFill>
                   <a:schemeClr val="dk2"/>
@@ -1392,7 +1383,7 @@
                 <a:tab algn="l" pos="0"/>
               </a:tabLst>
             </a:pPr>
-            <a:fld id="{0726D51E-C7A0-4027-B7E3-1AF791EAB662}" type="slidenum">
+            <a:fld id="{FB6670FE-29C5-4AD5-AEF9-E50420410CE9}" type="slidenum">
               <a:rPr b="0" lang="en" sz="1000" spc="-1" strike="noStrike">
                 <a:solidFill>
                   <a:schemeClr val="dk2"/>
@@ -1724,7 +1715,7 @@
                 <a:tab algn="l" pos="0"/>
               </a:tabLst>
             </a:pPr>
-            <a:fld id="{8C6FCDF8-8C96-4BD7-B94A-F3482F9F0A45}" type="slidenum">
+            <a:fld id="{567CCEA3-27AD-4932-B1F3-56506DD22A0A}" type="slidenum">
               <a:rPr b="0" lang="en" sz="1000" spc="-1" strike="noStrike">
                 <a:solidFill>
                   <a:schemeClr val="dk2"/>
@@ -2109,7 +2100,7 @@
                 <a:tab algn="l" pos="0"/>
               </a:tabLst>
             </a:pPr>
-            <a:fld id="{7EEE6C4E-9D7D-46B2-BBB5-BF11B34C2259}" type="slidenum">
+            <a:fld id="{20F8FCEA-3E8F-4A1F-9BD2-B059BCCDC1E7}" type="slidenum">
               <a:rPr b="0" lang="en" sz="1000" spc="-1" strike="noStrike">
                 <a:solidFill>
                   <a:schemeClr val="dk2"/>
@@ -2216,7 +2207,7 @@
                 <a:tab algn="l" pos="0"/>
               </a:tabLst>
             </a:pPr>
-            <a:fld id="{AA3092A4-BC7E-4F1A-A9A1-52D53B9D3EBE}" type="slidenum">
+            <a:fld id="{EC34123A-6CDA-45C6-9EA0-08B1C2C6F00D}" type="slidenum">
               <a:rPr b="0" lang="en" sz="1000" spc="-1" strike="noStrike">
                 <a:solidFill>
                   <a:schemeClr val="dk2"/>
@@ -2646,7 +2637,7 @@
                 <a:tab algn="l" pos="0"/>
               </a:tabLst>
             </a:pPr>
-            <a:fld id="{31C874DF-EF05-4113-939E-C21030E32304}" type="slidenum">
+            <a:fld id="{CD0F3C6A-8BE9-4B5C-A22F-461110E96FBF}" type="slidenum">
               <a:rPr b="0" lang="en" sz="1000" spc="-1" strike="noStrike">
                 <a:solidFill>
                   <a:schemeClr val="dk2"/>
@@ -3033,7 +3024,7 @@
                 <a:tab algn="l" pos="0"/>
               </a:tabLst>
             </a:pPr>
-            <a:fld id="{6D6ED0AA-3713-4394-B3CA-81C260B0810E}" type="slidenum">
+            <a:fld id="{44BBCA94-A977-420E-9B20-D856AD52AC9B}" type="slidenum">
               <a:rPr b="0" lang="en" sz="1000" spc="-1" strike="noStrike">
                 <a:solidFill>
                   <a:schemeClr val="dk2"/>
@@ -3639,7 +3630,7 @@
                 <a:tab algn="l" pos="0"/>
               </a:tabLst>
             </a:pPr>
-            <a:fld id="{9AB84C96-362B-4C81-A69B-EEEF467533C9}" type="slidenum">
+            <a:fld id="{AF61BECD-72B9-4842-890A-8ACF25EE6449}" type="slidenum">
               <a:rPr b="0" lang="en" sz="1000" spc="-1" strike="noStrike">
                 <a:solidFill>
                   <a:schemeClr val="dk2"/>
@@ -3795,7 +3786,7 @@
                 <a:tab algn="l" pos="0"/>
               </a:tabLst>
             </a:pPr>
-            <a:fld id="{C931B9D1-7B26-4117-804E-AEB15CA90D04}" type="slidenum">
+            <a:fld id="{45A1435B-4813-48E7-B2CF-CAC5BAD0C4B7}" type="slidenum">
               <a:rPr b="0" lang="en" sz="1000" spc="-1" strike="noStrike">
                 <a:solidFill>
                   <a:schemeClr val="dk2"/>
@@ -4176,7 +4167,7 @@
                 <a:tab algn="l" pos="0"/>
               </a:tabLst>
             </a:pPr>
-            <a:fld id="{AFDFF091-0823-4556-9F7B-FC154938DDB3}" type="slidenum">
+            <a:fld id="{A4CB7095-3E1D-4FA3-9EA0-4C01B29CD9F5}" type="slidenum">
               <a:rPr b="0" lang="en" sz="1000" spc="-1" strike="noStrike">
                 <a:solidFill>
                   <a:schemeClr val="dk2"/>
@@ -4332,7 +4323,7 @@
                 <a:tab algn="l" pos="0"/>
               </a:tabLst>
             </a:pPr>
-            <a:fld id="{C7AE86E7-1C3C-4FB4-A483-53ADFCB51C97}" type="slidenum">
+            <a:fld id="{EEF89A5A-4976-45BF-8D27-3DB72017FB60}" type="slidenum">
               <a:rPr b="0" lang="en" sz="1000" spc="-1" strike="noStrike">
                 <a:solidFill>
                   <a:schemeClr val="dk2"/>
@@ -5022,86 +5013,119 @@
                 <a:spcPct val="115000"/>
               </a:lnSpc>
               <a:spcBef>
-                <a:spcPts val="1199"/>
-              </a:spcBef>
-              <a:buNone/>
-              <a:tabLst>
-                <a:tab algn="l" pos="0"/>
-              </a:tabLst>
-            </a:pPr>
-            <a:endParaRPr b="0" lang="en-US" sz="1800" spc="-1" strike="noStrike">
-              <a:solidFill>
-                <a:srgbClr val="000000"/>
-              </a:solidFill>
-              <a:latin typeface="Arial"/>
-            </a:endParaRPr>
-          </a:p>
-          <a:p>
-            <a:pPr indent="0">
-              <a:lnSpc>
-                <a:spcPct val="115000"/>
-              </a:lnSpc>
-              <a:spcBef>
-                <a:spcPts val="1199"/>
-              </a:spcBef>
-              <a:buNone/>
-              <a:tabLst>
-                <a:tab algn="l" pos="0"/>
-              </a:tabLst>
-            </a:pPr>
-            <a:r>
-              <a:rPr b="0" lang="en" sz="1800" spc="-1" strike="noStrike">
-                <a:solidFill>
-                  <a:schemeClr val="dk1"/>
-                </a:solidFill>
-                <a:latin typeface="Comfortaa"/>
-                <a:ea typeface="Comfortaa"/>
-              </a:rPr>
-              <a:t>Challenges: </a:t>
-            </a:r>
-            <a:endParaRPr b="0" lang="en-US" sz="1800" spc="-1" strike="noStrike">
-              <a:solidFill>
-                <a:srgbClr val="000000"/>
-              </a:solidFill>
-              <a:latin typeface="Arial"/>
-            </a:endParaRPr>
-          </a:p>
-          <a:p>
-            <a:pPr indent="0">
-              <a:lnSpc>
-                <a:spcPct val="115000"/>
-              </a:lnSpc>
-              <a:spcBef>
-                <a:spcPts val="1199"/>
-              </a:spcBef>
-              <a:buNone/>
-              <a:tabLst>
-                <a:tab algn="l" pos="0"/>
-              </a:tabLst>
-            </a:pPr>
-            <a:endParaRPr b="0" lang="en-US" sz="1800" spc="-1" strike="noStrike">
-              <a:solidFill>
-                <a:srgbClr val="000000"/>
-              </a:solidFill>
-              <a:latin typeface="Arial"/>
-            </a:endParaRPr>
-          </a:p>
-          <a:p>
-            <a:pPr indent="0">
-              <a:lnSpc>
-                <a:spcPct val="115000"/>
-              </a:lnSpc>
-              <a:spcBef>
-                <a:spcPts val="1199"/>
+                <a:spcPts val="1191"/>
               </a:spcBef>
               <a:spcAft>
-                <a:spcPts val="1199"/>
+                <a:spcPts val="992"/>
               </a:spcAft>
               <a:buNone/>
               <a:tabLst>
                 <a:tab algn="l" pos="0"/>
               </a:tabLst>
             </a:pPr>
+            <a:r>
+              <a:rPr b="0" lang="en" sz="1800" spc="-1" strike="noStrike">
+                <a:solidFill>
+                  <a:schemeClr val="dk1"/>
+                </a:solidFill>
+                <a:latin typeface="Comfortaa"/>
+                <a:ea typeface="Comfortaa"/>
+              </a:rPr>
+              <a:t>most improvements were made with feature engineering, increased data surges, and data diversity (as for the the spot location variation).</a:t>
+            </a:r>
+            <a:endParaRPr b="0" lang="en-US" sz="1800" spc="-1" strike="noStrike">
+              <a:solidFill>
+                <a:srgbClr val="000000"/>
+              </a:solidFill>
+              <a:latin typeface="Arial"/>
+            </a:endParaRPr>
+          </a:p>
+          <a:p>
+            <a:pPr indent="0">
+              <a:lnSpc>
+                <a:spcPct val="115000"/>
+              </a:lnSpc>
+              <a:spcBef>
+                <a:spcPts val="1191"/>
+              </a:spcBef>
+              <a:spcAft>
+                <a:spcPts val="992"/>
+              </a:spcAft>
+              <a:buNone/>
+              <a:tabLst>
+                <a:tab algn="l" pos="0"/>
+              </a:tabLst>
+            </a:pPr>
+            <a:r>
+              <a:rPr b="0" lang="en" sz="1800" spc="-1" strike="noStrike">
+                <a:solidFill>
+                  <a:schemeClr val="dk1"/>
+                </a:solidFill>
+                <a:latin typeface="Comfortaa"/>
+                <a:ea typeface="Comfortaa"/>
+              </a:rPr>
+              <a:t>Though some improvements were made with hyper parameter tuning, processing data further ultimately led to better results”</a:t>
+            </a:r>
+            <a:endParaRPr b="0" lang="en-US" sz="1800" spc="-1" strike="noStrike">
+              <a:solidFill>
+                <a:srgbClr val="000000"/>
+              </a:solidFill>
+              <a:latin typeface="Arial"/>
+            </a:endParaRPr>
+          </a:p>
+          <a:p>
+            <a:pPr indent="0">
+              <a:lnSpc>
+                <a:spcPct val="115000"/>
+              </a:lnSpc>
+              <a:spcBef>
+                <a:spcPts val="1199"/>
+              </a:spcBef>
+              <a:buNone/>
+              <a:tabLst>
+                <a:tab algn="l" pos="0"/>
+              </a:tabLst>
+            </a:pPr>
+            <a:r>
+              <a:rPr b="0" lang="en" sz="1800" spc="-1" strike="noStrike">
+                <a:solidFill>
+                  <a:schemeClr val="dk1"/>
+                </a:solidFill>
+                <a:latin typeface="Comfortaa"/>
+                <a:ea typeface="Comfortaa"/>
+              </a:rPr>
+              <a:t>Challenges: </a:t>
+            </a:r>
+            <a:endParaRPr b="0" lang="en-US" sz="1800" spc="-1" strike="noStrike">
+              <a:solidFill>
+                <a:srgbClr val="000000"/>
+              </a:solidFill>
+              <a:latin typeface="Arial"/>
+            </a:endParaRPr>
+          </a:p>
+          <a:p>
+            <a:pPr indent="0">
+              <a:lnSpc>
+                <a:spcPct val="115000"/>
+              </a:lnSpc>
+              <a:spcBef>
+                <a:spcPts val="1199"/>
+              </a:spcBef>
+              <a:buNone/>
+              <a:tabLst>
+                <a:tab algn="l" pos="0"/>
+              </a:tabLst>
+            </a:pPr>
+            <a:r>
+              <a:rPr b="0" lang="en" sz="1800" spc="-1" strike="noStrike">
+                <a:solidFill>
+                  <a:schemeClr val="dk1"/>
+                </a:solidFill>
+                <a:latin typeface="Comfortaa"/>
+                <a:ea typeface="Comfortaa"/>
+              </a:rPr>
+              <a:t>The hardest part was getting good data, the model worked great.</a:t>
+            </a:r>
             <a:endParaRPr b="0" lang="en-US" sz="1800" spc="-1" strike="noStrike">
               <a:solidFill>
                 <a:srgbClr val="000000"/>
@@ -6782,7 +6806,17 @@
                 <a:latin typeface="Comfortaa"/>
                 <a:ea typeface="Comfortaa"/>
               </a:rPr>
-              <a:t> based on data from the National Oceanic and Atmospheric Administration (NOAA).</a:t>
+              <a:t> based on data from the National Oceanic and </a:t>
+            </a:r>
+            <a:r>
+              <a:rPr b="0" lang="en" sz="1500" spc="-1" strike="noStrike">
+                <a:solidFill>
+                  <a:schemeClr val="dk1"/>
+                </a:solidFill>
+                <a:latin typeface="Comfortaa"/>
+                <a:ea typeface="Comfortaa"/>
+              </a:rPr>
+              <a:t>Atmospheric Administration (NOAA).</a:t>
             </a:r>
             <a:endParaRPr b="0" lang="en-US" sz="1500" spc="-1" strike="noStrike">
               <a:solidFill>
@@ -6872,7 +6906,17 @@
                 <a:latin typeface="Comfortaa"/>
                 <a:ea typeface="Comfortaa"/>
               </a:rPr>
-              <a:t>human-readable surf reports</a:t>
+              <a:t>human-readable surf </a:t>
+            </a:r>
+            <a:r>
+              <a:rPr b="1" lang="en" sz="1500" spc="-1" strike="noStrike">
+                <a:solidFill>
+                  <a:schemeClr val="dk1"/>
+                </a:solidFill>
+                <a:latin typeface="Comfortaa"/>
+                <a:ea typeface="Comfortaa"/>
+              </a:rPr>
+              <a:t>reports</a:t>
             </a:r>
             <a:r>
               <a:rPr b="0" lang="en" sz="1500" spc="-1" strike="noStrike">
@@ -6976,7 +7020,17 @@
                 <a:latin typeface="Comfortaa"/>
                 <a:ea typeface="Comfortaa"/>
               </a:rPr>
-              <a:t> accurately with simple data analysis and hand-written algorithms.</a:t>
+              <a:t> accurately with simple data </a:t>
+            </a:r>
+            <a:r>
+              <a:rPr b="0" lang="en" sz="1500" spc="-1" strike="noStrike">
+                <a:solidFill>
+                  <a:schemeClr val="dk1"/>
+                </a:solidFill>
+                <a:latin typeface="Comfortaa"/>
+                <a:ea typeface="Comfortaa"/>
+              </a:rPr>
+              <a:t>analysis and hand-written algorithms.</a:t>
             </a:r>
             <a:endParaRPr b="0" lang="en-US" sz="1500" spc="-1" strike="noStrike">
               <a:solidFill>
@@ -7027,7 +7081,17 @@
                 <a:latin typeface="Comfortaa"/>
                 <a:ea typeface="Comfortaa"/>
               </a:rPr>
-              <a:t> for general audiences when attempting to interpret.</a:t>
+              <a:t> for </a:t>
+            </a:r>
+            <a:r>
+              <a:rPr b="0" lang="en" sz="1500" spc="-1" strike="noStrike">
+                <a:solidFill>
+                  <a:schemeClr val="dk1"/>
+                </a:solidFill>
+                <a:latin typeface="Comfortaa"/>
+                <a:ea typeface="Comfortaa"/>
+              </a:rPr>
+              <a:t>general audiences when attempting to interpret.</a:t>
             </a:r>
             <a:endParaRPr b="0" lang="en-US" sz="1500" spc="-1" strike="noStrike">
               <a:solidFill>
@@ -9027,6 +9091,144 @@
                 <a:latin typeface="Arial"/>
               </a:rPr>
               <a:t>R²: 0.9591</a:t>
+            </a:r>
+            <a:endParaRPr b="0" lang="en-US" sz="1400" spc="-1" strike="noStrike">
+              <a:solidFill>
+                <a:srgbClr val="000000"/>
+              </a:solidFill>
+              <a:latin typeface="Arial"/>
+            </a:endParaRPr>
+          </a:p>
+          <a:p>
+            <a:pPr indent="0">
+              <a:spcBef>
+                <a:spcPts val="1417"/>
+              </a:spcBef>
+              <a:buNone/>
+            </a:pPr>
+            <a:r>
+              <a:rPr b="0" lang="en-US" sz="1400" spc="-1" strike="noStrike">
+                <a:solidFill>
+                  <a:srgbClr val="000000"/>
+                </a:solidFill>
+                <a:latin typeface="Arial"/>
+              </a:rPr>
+              <a:t>Tuned Model Performance: </a:t>
+            </a:r>
+            <a:endParaRPr b="0" lang="en-US" sz="1400" spc="-1" strike="noStrike">
+              <a:solidFill>
+                <a:srgbClr val="000000"/>
+              </a:solidFill>
+              <a:latin typeface="Arial"/>
+            </a:endParaRPr>
+          </a:p>
+          <a:p>
+            <a:pPr indent="0">
+              <a:spcBef>
+                <a:spcPts val="1417"/>
+              </a:spcBef>
+              <a:buNone/>
+            </a:pPr>
+            <a:r>
+              <a:rPr b="0" lang="en-US" sz="1400" spc="-1" strike="noStrike">
+                <a:solidFill>
+                  <a:srgbClr val="000000"/>
+                </a:solidFill>
+                <a:latin typeface="Arial"/>
+              </a:rPr>
+              <a:t>MAE: 0.1080 </a:t>
+            </a:r>
+            <a:endParaRPr b="0" lang="en-US" sz="1400" spc="-1" strike="noStrike">
+              <a:solidFill>
+                <a:srgbClr val="000000"/>
+              </a:solidFill>
+              <a:latin typeface="Arial"/>
+            </a:endParaRPr>
+          </a:p>
+          <a:p>
+            <a:pPr indent="0">
+              <a:spcBef>
+                <a:spcPts val="1417"/>
+              </a:spcBef>
+              <a:buNone/>
+            </a:pPr>
+            <a:r>
+              <a:rPr b="0" lang="en-US" sz="1400" spc="-1" strike="noStrike">
+                <a:solidFill>
+                  <a:srgbClr val="000000"/>
+                </a:solidFill>
+                <a:latin typeface="Arial"/>
+              </a:rPr>
+              <a:t>R²: 0.9596</a:t>
+            </a:r>
+            <a:endParaRPr b="0" lang="en-US" sz="1400" spc="-1" strike="noStrike">
+              <a:solidFill>
+                <a:srgbClr val="000000"/>
+              </a:solidFill>
+              <a:latin typeface="Arial"/>
+            </a:endParaRPr>
+          </a:p>
+          <a:p>
+            <a:pPr indent="0">
+              <a:spcBef>
+                <a:spcPts val="1417"/>
+              </a:spcBef>
+              <a:buNone/>
+            </a:pPr>
+            <a:r>
+              <a:rPr b="0" lang="en-US" sz="1400" spc="-1" strike="noStrike">
+                <a:solidFill>
+                  <a:srgbClr val="000000"/>
+                </a:solidFill>
+                <a:latin typeface="Arial"/>
+              </a:rPr>
+              <a:t>Performance Improvement After Hyperparameter Tuning: </a:t>
+            </a:r>
+            <a:endParaRPr b="0" lang="en-US" sz="1400" spc="-1" strike="noStrike">
+              <a:solidFill>
+                <a:srgbClr val="000000"/>
+              </a:solidFill>
+              <a:latin typeface="Arial"/>
+            </a:endParaRPr>
+          </a:p>
+          <a:p>
+            <a:pPr indent="0">
+              <a:spcBef>
+                <a:spcPts val="1417"/>
+              </a:spcBef>
+              <a:buNone/>
+            </a:pPr>
+            <a:r>
+              <a:rPr b="0" lang="en-US" sz="1400" spc="-1" strike="noStrike">
+                <a:solidFill>
+                  <a:srgbClr val="000000"/>
+                </a:solidFill>
+                <a:latin typeface="Arial"/>
+              </a:rPr>
+              <a:t>MAE Improvement: 0.0003 </a:t>
+            </a:r>
+            <a:endParaRPr b="0" lang="en-US" sz="1400" spc="-1" strike="noStrike">
+              <a:solidFill>
+                <a:srgbClr val="000000"/>
+              </a:solidFill>
+              <a:latin typeface="Arial"/>
+            </a:endParaRPr>
+          </a:p>
+          <a:p>
+            <a:pPr indent="0">
+              <a:spcBef>
+                <a:spcPts val="1417"/>
+              </a:spcBef>
+              <a:buNone/>
+            </a:pPr>
+            <a:r>
+              <a:rPr b="0" lang="en-US" sz="1400" spc="-1" strike="noStrike">
+                <a:solidFill>
+                  <a:srgbClr val="000000"/>
+                </a:solidFill>
+                <a:latin typeface="Arial"/>
+              </a:rPr>
+              <a:t>R² Improvement: 0.0004 </a:t>
             </a:r>
             <a:endParaRPr b="0" lang="en-US" sz="1400" spc="-1" strike="noStrike">
               <a:solidFill>
